--- a/EF core.pptx
+++ b/EF core.pptx
@@ -6,7 +6,7 @@
     <p:sldMasterId id="2147483659" r:id="rId2"/>
   </p:sldMasterIdLst>
   <p:notesMasterIdLst>
-    <p:notesMasterId r:id="rId12"/>
+    <p:notesMasterId r:id="rId11"/>
   </p:notesMasterIdLst>
   <p:sldIdLst>
     <p:sldId id="256" r:id="rId3"/>
@@ -16,30 +16,29 @@
     <p:sldId id="288" r:id="rId7"/>
     <p:sldId id="286" r:id="rId8"/>
     <p:sldId id="287" r:id="rId9"/>
-    <p:sldId id="263" r:id="rId10"/>
-    <p:sldId id="279" r:id="rId11"/>
+    <p:sldId id="279" r:id="rId10"/>
   </p:sldIdLst>
   <p:sldSz cx="9144000" cy="5143500" type="screen16x9"/>
   <p:notesSz cx="6858000" cy="9144000"/>
   <p:embeddedFontLst>
     <p:embeddedFont>
-      <p:font typeface="Raleway ExtraBold" panose="020B0604020202020204" charset="0"/>
+      <p:font typeface="Raleway Light" panose="020B0604020202020204" charset="0"/>
+      <p:regular r:id="rId12"/>
       <p:bold r:id="rId13"/>
-      <p:boldItalic r:id="rId14"/>
+      <p:italic r:id="rId14"/>
+      <p:boldItalic r:id="rId15"/>
     </p:embeddedFont>
     <p:embeddedFont>
       <p:font typeface="Consolas" panose="020B0609020204030204" pitchFamily="49" charset="0"/>
-      <p:regular r:id="rId15"/>
-      <p:bold r:id="rId16"/>
-      <p:italic r:id="rId17"/>
-      <p:boldItalic r:id="rId18"/>
+      <p:regular r:id="rId16"/>
+      <p:bold r:id="rId17"/>
+      <p:italic r:id="rId18"/>
+      <p:boldItalic r:id="rId19"/>
     </p:embeddedFont>
     <p:embeddedFont>
-      <p:font typeface="Raleway Light" panose="020B0604020202020204" charset="0"/>
-      <p:regular r:id="rId19"/>
+      <p:font typeface="Raleway ExtraBold" panose="020B0604020202020204" charset="0"/>
       <p:bold r:id="rId20"/>
-      <p:italic r:id="rId21"/>
-      <p:boldItalic r:id="rId22"/>
+      <p:boldItalic r:id="rId21"/>
     </p:embeddedFont>
   </p:embeddedFontLst>
   <p:defaultTextStyle>
@@ -1153,110 +1152,6 @@
   <p:cSld>
     <p:spTree>
       <p:nvGrpSpPr>
-        <p:cNvPr id="1" name="Shape 130"/>
-        <p:cNvGrpSpPr/>
-        <p:nvPr/>
-      </p:nvGrpSpPr>
-      <p:grpSpPr>
-        <a:xfrm>
-          <a:off x="0" y="0"/>
-          <a:ext cx="0" cy="0"/>
-          <a:chOff x="0" y="0"/>
-          <a:chExt cx="0" cy="0"/>
-        </a:xfrm>
-      </p:grpSpPr>
-      <p:sp>
-        <p:nvSpPr>
-          <p:cNvPr id="131" name="Shape 131"/>
-          <p:cNvSpPr>
-            <a:spLocks noGrp="1" noRot="1" noChangeAspect="1"/>
-          </p:cNvSpPr>
-          <p:nvPr>
-            <p:ph type="sldImg" idx="2"/>
-          </p:nvPr>
-        </p:nvSpPr>
-        <p:spPr>
-          <a:xfrm>
-            <a:off x="381000" y="685800"/>
-            <a:ext cx="6096000" cy="3429000"/>
-          </a:xfrm>
-          <a:custGeom>
-            <a:avLst/>
-            <a:gdLst/>
-            <a:ahLst/>
-            <a:cxnLst/>
-            <a:rect l="0" t="0" r="0" b="0"/>
-            <a:pathLst>
-              <a:path w="120000" h="120000" extrusionOk="0">
-                <a:moveTo>
-                  <a:pt x="0" y="0"/>
-                </a:moveTo>
-                <a:lnTo>
-                  <a:pt x="120000" y="0"/>
-                </a:lnTo>
-                <a:lnTo>
-                  <a:pt x="120000" y="120000"/>
-                </a:lnTo>
-                <a:lnTo>
-                  <a:pt x="0" y="120000"/>
-                </a:lnTo>
-                <a:close/>
-              </a:path>
-            </a:pathLst>
-          </a:custGeom>
-        </p:spPr>
-      </p:sp>
-      <p:sp>
-        <p:nvSpPr>
-          <p:cNvPr id="132" name="Shape 132"/>
-          <p:cNvSpPr txBox="1">
-            <a:spLocks noGrp="1"/>
-          </p:cNvSpPr>
-          <p:nvPr>
-            <p:ph type="body" idx="1"/>
-          </p:nvPr>
-        </p:nvSpPr>
-        <p:spPr>
-          <a:xfrm>
-            <a:off x="685800" y="4343400"/>
-            <a:ext cx="5486400" cy="4114800"/>
-          </a:xfrm>
-          <a:prstGeom prst="rect">
-            <a:avLst/>
-          </a:prstGeom>
-        </p:spPr>
-        <p:txBody>
-          <a:bodyPr spcFirstLastPara="1" wrap="square" lIns="91425" tIns="91425" rIns="91425" bIns="91425" anchor="t" anchorCtr="0">
-            <a:noAutofit/>
-          </a:bodyPr>
-          <a:lstStyle/>
-          <a:p>
-            <a:pPr marL="0" lvl="0" indent="0">
-              <a:spcBef>
-                <a:spcPts val="0"/>
-              </a:spcBef>
-              <a:spcAft>
-                <a:spcPts val="0"/>
-              </a:spcAft>
-              <a:buNone/>
-            </a:pPr>
-            <a:endParaRPr/>
-          </a:p>
-        </p:txBody>
-      </p:sp>
-    </p:spTree>
-  </p:cSld>
-  <p:clrMapOvr>
-    <a:masterClrMapping/>
-  </p:clrMapOvr>
-</p:notes>
-</file>
-
-<file path=ppt/notesSlides/notesSlide6.xml><?xml version="1.0" encoding="utf-8"?>
-<p:notes xmlns:a="http://schemas.openxmlformats.org/drawingml/2006/main" xmlns:r="http://schemas.openxmlformats.org/officeDocument/2006/relationships" xmlns:p="http://schemas.openxmlformats.org/presentationml/2006/main" showMasterSp="0" showMasterPhAnim="0">
-  <p:cSld>
-    <p:spTree>
-      <p:nvGrpSpPr>
         <p:cNvPr id="1" name="Shape 359"/>
         <p:cNvGrpSpPr/>
         <p:nvPr/>
@@ -1800,406 +1695,6 @@
 </file>
 
 <file path=ppt/slideLayouts/slideLayout10.xml><?xml version="1.0" encoding="utf-8"?>
-<p:sldLayout xmlns:a="http://schemas.openxmlformats.org/drawingml/2006/main" xmlns:r="http://schemas.openxmlformats.org/officeDocument/2006/relationships" xmlns:p="http://schemas.openxmlformats.org/presentationml/2006/main" type="twoTxTwoObj" preserve="1">
-  <p:cSld name="Comparison">
-    <p:spTree>
-      <p:nvGrpSpPr>
-        <p:cNvPr id="1" name=""/>
-        <p:cNvGrpSpPr/>
-        <p:nvPr/>
-      </p:nvGrpSpPr>
-      <p:grpSpPr>
-        <a:xfrm>
-          <a:off x="0" y="0"/>
-          <a:ext cx="0" cy="0"/>
-          <a:chOff x="0" y="0"/>
-          <a:chExt cx="0" cy="0"/>
-        </a:xfrm>
-      </p:grpSpPr>
-      <p:sp>
-        <p:nvSpPr>
-          <p:cNvPr id="2" name="Title 1"/>
-          <p:cNvSpPr>
-            <a:spLocks noGrp="1"/>
-          </p:cNvSpPr>
-          <p:nvPr>
-            <p:ph type="title"/>
-          </p:nvPr>
-        </p:nvSpPr>
-        <p:spPr/>
-        <p:txBody>
-          <a:bodyPr/>
-          <a:lstStyle/>
-          <a:p>
-            <a:r>
-              <a:rPr lang="en-US"/>
-              <a:t>Click to edit Master title style</a:t>
-            </a:r>
-          </a:p>
-        </p:txBody>
-      </p:sp>
-      <p:sp>
-        <p:nvSpPr>
-          <p:cNvPr id="3" name="Text Placeholder 2"/>
-          <p:cNvSpPr>
-            <a:spLocks noGrp="1"/>
-          </p:cNvSpPr>
-          <p:nvPr>
-            <p:ph type="body" idx="1"/>
-          </p:nvPr>
-        </p:nvSpPr>
-        <p:spPr>
-          <a:xfrm>
-            <a:off x="1143000" y="1371600"/>
-            <a:ext cx="3291840" cy="596900"/>
-          </a:xfrm>
-        </p:spPr>
-        <p:txBody>
-          <a:bodyPr anchor="ctr">
-            <a:normAutofit/>
-          </a:bodyPr>
-          <a:lstStyle>
-            <a:lvl1pPr marL="0" indent="0">
-              <a:spcBef>
-                <a:spcPts val="0"/>
-              </a:spcBef>
-              <a:buNone/>
-              <a:defRPr sz="1800" b="0">
-                <a:solidFill>
-                  <a:schemeClr val="accent4">
-                    <a:lumMod val="75000"/>
-                  </a:schemeClr>
-                </a:solidFill>
-                <a:latin typeface="+mj-lt"/>
-              </a:defRPr>
-            </a:lvl1pPr>
-            <a:lvl2pPr marL="342900" indent="0">
-              <a:buNone/>
-              <a:defRPr sz="1500" b="1"/>
-            </a:lvl2pPr>
-            <a:lvl3pPr marL="685800" indent="0">
-              <a:buNone/>
-              <a:defRPr sz="1350" b="1"/>
-            </a:lvl3pPr>
-            <a:lvl4pPr marL="1028700" indent="0">
-              <a:buNone/>
-              <a:defRPr sz="1200" b="1"/>
-            </a:lvl4pPr>
-            <a:lvl5pPr marL="1371600" indent="0">
-              <a:buNone/>
-              <a:defRPr sz="1200" b="1"/>
-            </a:lvl5pPr>
-            <a:lvl6pPr marL="1714500" indent="0">
-              <a:buNone/>
-              <a:defRPr sz="1200" b="1"/>
-            </a:lvl6pPr>
-            <a:lvl7pPr marL="2057400" indent="0">
-              <a:buNone/>
-              <a:defRPr sz="1200" b="1"/>
-            </a:lvl7pPr>
-            <a:lvl8pPr marL="2400300" indent="0">
-              <a:buNone/>
-              <a:defRPr sz="1200" b="1"/>
-            </a:lvl8pPr>
-            <a:lvl9pPr marL="2743200" indent="0">
-              <a:buNone/>
-              <a:defRPr sz="1200" b="1"/>
-            </a:lvl9pPr>
-          </a:lstStyle>
-          <a:p>
-            <a:pPr lvl="0"/>
-            <a:r>
-              <a:rPr lang="en-US"/>
-              <a:t>Edit Master text styles</a:t>
-            </a:r>
-          </a:p>
-        </p:txBody>
-      </p:sp>
-      <p:sp>
-        <p:nvSpPr>
-          <p:cNvPr id="4" name="Content Placeholder 3"/>
-          <p:cNvSpPr>
-            <a:spLocks noGrp="1"/>
-          </p:cNvSpPr>
-          <p:nvPr>
-            <p:ph sz="half" idx="2"/>
-          </p:nvPr>
-        </p:nvSpPr>
-        <p:spPr>
-          <a:xfrm>
-            <a:off x="1143000" y="1968500"/>
-            <a:ext cx="3291840" cy="2006600"/>
-          </a:xfrm>
-        </p:spPr>
-        <p:txBody>
-          <a:bodyPr/>
-          <a:lstStyle/>
-          <a:p>
-            <a:pPr lvl="0"/>
-            <a:r>
-              <a:rPr lang="en-US"/>
-              <a:t>Edit Master text styles</a:t>
-            </a:r>
-          </a:p>
-          <a:p>
-            <a:pPr lvl="1"/>
-            <a:r>
-              <a:rPr lang="en-US"/>
-              <a:t>Second level</a:t>
-            </a:r>
-          </a:p>
-          <a:p>
-            <a:pPr lvl="2"/>
-            <a:r>
-              <a:rPr lang="en-US"/>
-              <a:t>Third level</a:t>
-            </a:r>
-          </a:p>
-          <a:p>
-            <a:pPr lvl="3"/>
-            <a:r>
-              <a:rPr lang="en-US"/>
-              <a:t>Fourth level</a:t>
-            </a:r>
-          </a:p>
-          <a:p>
-            <a:pPr lvl="4"/>
-            <a:r>
-              <a:rPr lang="en-US"/>
-              <a:t>Fifth level</a:t>
-            </a:r>
-            <a:endParaRPr lang="en-US" dirty="0"/>
-          </a:p>
-        </p:txBody>
-      </p:sp>
-      <p:sp>
-        <p:nvSpPr>
-          <p:cNvPr id="5" name="Text Placeholder 4"/>
-          <p:cNvSpPr>
-            <a:spLocks noGrp="1"/>
-          </p:cNvSpPr>
-          <p:nvPr>
-            <p:ph type="body" sz="quarter" idx="3"/>
-          </p:nvPr>
-        </p:nvSpPr>
-        <p:spPr>
-          <a:xfrm>
-            <a:off x="4709160" y="1371600"/>
-            <a:ext cx="3291840" cy="596900"/>
-          </a:xfrm>
-        </p:spPr>
-        <p:txBody>
-          <a:bodyPr anchor="ctr">
-            <a:normAutofit/>
-          </a:bodyPr>
-          <a:lstStyle>
-            <a:lvl1pPr marL="0" indent="0">
-              <a:spcBef>
-                <a:spcPts val="0"/>
-              </a:spcBef>
-              <a:buNone/>
-              <a:defRPr sz="1800" b="0">
-                <a:solidFill>
-                  <a:schemeClr val="accent4">
-                    <a:lumMod val="75000"/>
-                  </a:schemeClr>
-                </a:solidFill>
-                <a:latin typeface="+mj-lt"/>
-              </a:defRPr>
-            </a:lvl1pPr>
-            <a:lvl2pPr marL="342900" indent="0">
-              <a:buNone/>
-              <a:defRPr sz="1500" b="1"/>
-            </a:lvl2pPr>
-            <a:lvl3pPr marL="685800" indent="0">
-              <a:buNone/>
-              <a:defRPr sz="1350" b="1"/>
-            </a:lvl3pPr>
-            <a:lvl4pPr marL="1028700" indent="0">
-              <a:buNone/>
-              <a:defRPr sz="1200" b="1"/>
-            </a:lvl4pPr>
-            <a:lvl5pPr marL="1371600" indent="0">
-              <a:buNone/>
-              <a:defRPr sz="1200" b="1"/>
-            </a:lvl5pPr>
-            <a:lvl6pPr marL="1714500" indent="0">
-              <a:buNone/>
-              <a:defRPr sz="1200" b="1"/>
-            </a:lvl6pPr>
-            <a:lvl7pPr marL="2057400" indent="0">
-              <a:buNone/>
-              <a:defRPr sz="1200" b="1"/>
-            </a:lvl7pPr>
-            <a:lvl8pPr marL="2400300" indent="0">
-              <a:buNone/>
-              <a:defRPr sz="1200" b="1"/>
-            </a:lvl8pPr>
-            <a:lvl9pPr marL="2743200" indent="0">
-              <a:buNone/>
-              <a:defRPr sz="1200" b="1"/>
-            </a:lvl9pPr>
-          </a:lstStyle>
-          <a:p>
-            <a:pPr lvl="0"/>
-            <a:r>
-              <a:rPr lang="en-US"/>
-              <a:t>Edit Master text styles</a:t>
-            </a:r>
-          </a:p>
-        </p:txBody>
-      </p:sp>
-      <p:sp>
-        <p:nvSpPr>
-          <p:cNvPr id="6" name="Content Placeholder 5"/>
-          <p:cNvSpPr>
-            <a:spLocks noGrp="1"/>
-          </p:cNvSpPr>
-          <p:nvPr>
-            <p:ph sz="quarter" idx="4"/>
-          </p:nvPr>
-        </p:nvSpPr>
-        <p:spPr>
-          <a:xfrm>
-            <a:off x="4709160" y="1968500"/>
-            <a:ext cx="3291840" cy="2006600"/>
-          </a:xfrm>
-        </p:spPr>
-        <p:txBody>
-          <a:bodyPr/>
-          <a:lstStyle/>
-          <a:p>
-            <a:pPr lvl="0"/>
-            <a:r>
-              <a:rPr lang="en-US"/>
-              <a:t>Edit Master text styles</a:t>
-            </a:r>
-          </a:p>
-          <a:p>
-            <a:pPr lvl="1"/>
-            <a:r>
-              <a:rPr lang="en-US"/>
-              <a:t>Second level</a:t>
-            </a:r>
-          </a:p>
-          <a:p>
-            <a:pPr lvl="2"/>
-            <a:r>
-              <a:rPr lang="en-US"/>
-              <a:t>Third level</a:t>
-            </a:r>
-          </a:p>
-          <a:p>
-            <a:pPr lvl="3"/>
-            <a:r>
-              <a:rPr lang="en-US"/>
-              <a:t>Fourth level</a:t>
-            </a:r>
-          </a:p>
-          <a:p>
-            <a:pPr lvl="4"/>
-            <a:r>
-              <a:rPr lang="en-US"/>
-              <a:t>Fifth level</a:t>
-            </a:r>
-            <a:endParaRPr lang="en-US" dirty="0"/>
-          </a:p>
-        </p:txBody>
-      </p:sp>
-      <p:sp>
-        <p:nvSpPr>
-          <p:cNvPr id="8" name="Footer Placeholder 7"/>
-          <p:cNvSpPr>
-            <a:spLocks noGrp="1"/>
-          </p:cNvSpPr>
-          <p:nvPr>
-            <p:ph type="ftr" sz="quarter" idx="11"/>
-          </p:nvPr>
-        </p:nvSpPr>
-        <p:spPr/>
-        <p:txBody>
-          <a:bodyPr/>
-          <a:lstStyle/>
-          <a:p>
-            <a:r>
-              <a:rPr lang="en-US" dirty="0"/>
-              <a:t>Add a footer</a:t>
-            </a:r>
-          </a:p>
-        </p:txBody>
-      </p:sp>
-      <p:sp>
-        <p:nvSpPr>
-          <p:cNvPr id="7" name="Date Placeholder 6"/>
-          <p:cNvSpPr>
-            <a:spLocks noGrp="1"/>
-          </p:cNvSpPr>
-          <p:nvPr>
-            <p:ph type="dt" sz="half" idx="10"/>
-          </p:nvPr>
-        </p:nvSpPr>
-        <p:spPr/>
-        <p:txBody>
-          <a:bodyPr/>
-          <a:lstStyle/>
-          <a:p>
-            <a:fld id="{7FC8593D-7C47-471E-A8DF-97AC4FFD13F5}" type="datetimeFigureOut">
-              <a:rPr lang="en-US" smtClean="0"/>
-              <a:t>4/20/2018</a:t>
-            </a:fld>
-            <a:endParaRPr lang="en-US"/>
-          </a:p>
-        </p:txBody>
-      </p:sp>
-      <p:sp>
-        <p:nvSpPr>
-          <p:cNvPr id="9" name="Slide Number Placeholder 8"/>
-          <p:cNvSpPr>
-            <a:spLocks noGrp="1"/>
-          </p:cNvSpPr>
-          <p:nvPr>
-            <p:ph type="sldNum" sz="quarter" idx="12"/>
-          </p:nvPr>
-        </p:nvSpPr>
-        <p:spPr/>
-        <p:txBody>
-          <a:bodyPr/>
-          <a:lstStyle/>
-          <a:p>
-            <a:fld id="{289D71E3-7D81-4C24-B9D8-6B108755C64C}" type="slidenum">
-              <a:rPr lang="en-US" smtClean="0"/>
-              <a:t>‹#›</a:t>
-            </a:fld>
-            <a:endParaRPr lang="en-US"/>
-          </a:p>
-        </p:txBody>
-      </p:sp>
-    </p:spTree>
-    <p:extLst>
-      <p:ext uri="{BB962C8B-B14F-4D97-AF65-F5344CB8AC3E}">
-        <p14:creationId xmlns:p14="http://schemas.microsoft.com/office/powerpoint/2010/main" val="1063964740"/>
-      </p:ext>
-    </p:extLst>
-  </p:cSld>
-  <p:clrMapOvr>
-    <a:masterClrMapping/>
-  </p:clrMapOvr>
-  <mc:AlternateContent xmlns:mc="http://schemas.openxmlformats.org/markup-compatibility/2006" xmlns:p14="http://schemas.microsoft.com/office/powerpoint/2010/main">
-    <mc:Choice Requires="p14">
-      <p:transition spd="med" p14:dur="700">
-        <p:fade/>
-      </p:transition>
-    </mc:Choice>
-    <mc:Fallback xmlns="">
-      <p:transition spd="med">
-        <p:fade/>
-      </p:transition>
-    </mc:Fallback>
-  </mc:AlternateContent>
-</p:sldLayout>
-</file>
-
-<file path=ppt/slideLayouts/slideLayout11.xml><?xml version="1.0" encoding="utf-8"?>
 <p:sldLayout xmlns:a="http://schemas.openxmlformats.org/drawingml/2006/main" xmlns:r="http://schemas.openxmlformats.org/officeDocument/2006/relationships" xmlns:p="http://schemas.openxmlformats.org/presentationml/2006/main" type="titleOnly" preserve="1">
   <p:cSld name="Title Only">
     <p:spTree>
@@ -2331,7 +1826,7 @@
 </p:sldLayout>
 </file>
 
-<file path=ppt/slideLayouts/slideLayout12.xml><?xml version="1.0" encoding="utf-8"?>
+<file path=ppt/slideLayouts/slideLayout11.xml><?xml version="1.0" encoding="utf-8"?>
 <p:sldLayout xmlns:a="http://schemas.openxmlformats.org/drawingml/2006/main" xmlns:r="http://schemas.openxmlformats.org/officeDocument/2006/relationships" xmlns:p="http://schemas.openxmlformats.org/presentationml/2006/main" type="blank" preserve="1">
   <p:cSld name="Blank">
     <p:spTree>
@@ -2441,7 +1936,7 @@
 </p:sldLayout>
 </file>
 
-<file path=ppt/slideLayouts/slideLayout13.xml><?xml version="1.0" encoding="utf-8"?>
+<file path=ppt/slideLayouts/slideLayout12.xml><?xml version="1.0" encoding="utf-8"?>
 <p:sldLayout xmlns:a="http://schemas.openxmlformats.org/drawingml/2006/main" xmlns:r="http://schemas.openxmlformats.org/officeDocument/2006/relationships" xmlns:p="http://schemas.openxmlformats.org/presentationml/2006/main" type="objTx" preserve="1">
   <p:cSld name="Content with Caption">
     <p:spTree>
@@ -2734,7 +2229,7 @@
 </p:sldLayout>
 </file>
 
-<file path=ppt/slideLayouts/slideLayout14.xml><?xml version="1.0" encoding="utf-8"?>
+<file path=ppt/slideLayouts/slideLayout13.xml><?xml version="1.0" encoding="utf-8"?>
 <p:sldLayout xmlns:a="http://schemas.openxmlformats.org/drawingml/2006/main" xmlns:r="http://schemas.openxmlformats.org/officeDocument/2006/relationships" xmlns:p="http://schemas.openxmlformats.org/presentationml/2006/main" preserve="1">
   <p:cSld name="Picture with Caption">
     <p:spTree>
@@ -3186,7 +2681,7 @@
 </p:sldLayout>
 </file>
 
-<file path=ppt/slideLayouts/slideLayout15.xml><?xml version="1.0" encoding="utf-8"?>
+<file path=ppt/slideLayouts/slideLayout14.xml><?xml version="1.0" encoding="utf-8"?>
 <p:sldLayout xmlns:a="http://schemas.openxmlformats.org/drawingml/2006/main" xmlns:r="http://schemas.openxmlformats.org/officeDocument/2006/relationships" xmlns:p="http://schemas.openxmlformats.org/presentationml/2006/main" showMasterSp="0" preserve="1" userDrawn="1">
   <p:cSld name="Two Pictures with Captions">
     <p:spTree>
@@ -3844,7 +3339,7 @@
 </p:sldLayout>
 </file>
 
-<file path=ppt/slideLayouts/slideLayout16.xml><?xml version="1.0" encoding="utf-8"?>
+<file path=ppt/slideLayouts/slideLayout15.xml><?xml version="1.0" encoding="utf-8"?>
 <p:sldLayout xmlns:a="http://schemas.openxmlformats.org/drawingml/2006/main" xmlns:r="http://schemas.openxmlformats.org/officeDocument/2006/relationships" xmlns:p="http://schemas.openxmlformats.org/presentationml/2006/main" showMasterSp="0" preserve="1">
   <p:cSld name="Three Pictures with Caption">
     <p:spTree>
@@ -4651,7 +4146,7 @@
 </p:sldLayout>
 </file>
 
-<file path=ppt/slideLayouts/slideLayout17.xml><?xml version="1.0" encoding="utf-8"?>
+<file path=ppt/slideLayouts/slideLayout16.xml><?xml version="1.0" encoding="utf-8"?>
 <p:sldLayout xmlns:a="http://schemas.openxmlformats.org/drawingml/2006/main" xmlns:r="http://schemas.openxmlformats.org/officeDocument/2006/relationships" xmlns:p="http://schemas.openxmlformats.org/presentationml/2006/main" showMasterSp="0" preserve="1" userDrawn="1">
   <p:cSld name="Five Pictures">
     <p:spTree>
@@ -5814,7 +5309,7 @@
 </p:sldLayout>
 </file>
 
-<file path=ppt/slideLayouts/slideLayout18.xml><?xml version="1.0" encoding="utf-8"?>
+<file path=ppt/slideLayouts/slideLayout17.xml><?xml version="1.0" encoding="utf-8"?>
 <p:sldLayout xmlns:a="http://schemas.openxmlformats.org/drawingml/2006/main" xmlns:r="http://schemas.openxmlformats.org/officeDocument/2006/relationships" xmlns:p="http://schemas.openxmlformats.org/presentationml/2006/main" type="vertTx" preserve="1">
   <p:cSld name="Title and Vertical Text">
     <p:spTree>
@@ -5997,7 +5492,7 @@
 </p:sldLayout>
 </file>
 
-<file path=ppt/slideLayouts/slideLayout19.xml><?xml version="1.0" encoding="utf-8"?>
+<file path=ppt/slideLayouts/slideLayout18.xml><?xml version="1.0" encoding="utf-8"?>
 <p:sldLayout xmlns:a="http://schemas.openxmlformats.org/drawingml/2006/main" xmlns:r="http://schemas.openxmlformats.org/officeDocument/2006/relationships" xmlns:p="http://schemas.openxmlformats.org/presentationml/2006/main" type="vertTitleAndTx" preserve="1">
   <p:cSld name="Vertical Title and Text">
     <p:spTree>
@@ -6815,711 +6310,6 @@
 </file>
 
 <file path=ppt/slideLayouts/slideLayout3.xml><?xml version="1.0" encoding="utf-8"?>
-<p:sldLayout xmlns:a="http://schemas.openxmlformats.org/drawingml/2006/main" xmlns:r="http://schemas.openxmlformats.org/officeDocument/2006/relationships" xmlns:p="http://schemas.openxmlformats.org/presentationml/2006/main" matchingName="Title + 2 columns" type="twoColTx">
-  <p:cSld name="TITLE_AND_TWO_COLUMNS">
-    <p:spTree>
-      <p:nvGrpSpPr>
-        <p:cNvPr id="1" name="Shape 26"/>
-        <p:cNvGrpSpPr/>
-        <p:nvPr/>
-      </p:nvGrpSpPr>
-      <p:grpSpPr>
-        <a:xfrm>
-          <a:off x="0" y="0"/>
-          <a:ext cx="0" cy="0"/>
-          <a:chOff x="0" y="0"/>
-          <a:chExt cx="0" cy="0"/>
-        </a:xfrm>
-      </p:grpSpPr>
-      <p:sp>
-        <p:nvSpPr>
-          <p:cNvPr id="27" name="Shape 27"/>
-          <p:cNvSpPr/>
-          <p:nvPr/>
-        </p:nvSpPr>
-        <p:spPr>
-          <a:xfrm>
-            <a:off x="390735" y="379877"/>
-            <a:ext cx="8362529" cy="4383746"/>
-          </a:xfrm>
-          <a:custGeom>
-            <a:avLst/>
-            <a:gdLst/>
-            <a:ahLst/>
-            <a:cxnLst/>
-            <a:rect l="0" t="0" r="0" b="0"/>
-            <a:pathLst>
-              <a:path w="285508" h="149667" fill="none" extrusionOk="0">
-                <a:moveTo>
-                  <a:pt x="252882" y="0"/>
-                </a:moveTo>
-                <a:lnTo>
-                  <a:pt x="13220" y="0"/>
-                </a:lnTo>
-                <a:lnTo>
-                  <a:pt x="13220" y="0"/>
-                </a:lnTo>
-                <a:lnTo>
-                  <a:pt x="11826" y="61"/>
-                </a:lnTo>
-                <a:lnTo>
-                  <a:pt x="10552" y="243"/>
-                </a:lnTo>
-                <a:lnTo>
-                  <a:pt x="9279" y="607"/>
-                </a:lnTo>
-                <a:lnTo>
-                  <a:pt x="8066" y="1031"/>
-                </a:lnTo>
-                <a:lnTo>
-                  <a:pt x="6914" y="1577"/>
-                </a:lnTo>
-                <a:lnTo>
-                  <a:pt x="5822" y="2244"/>
-                </a:lnTo>
-                <a:lnTo>
-                  <a:pt x="4791" y="3032"/>
-                </a:lnTo>
-                <a:lnTo>
-                  <a:pt x="3881" y="3881"/>
-                </a:lnTo>
-                <a:lnTo>
-                  <a:pt x="3032" y="4791"/>
-                </a:lnTo>
-                <a:lnTo>
-                  <a:pt x="2244" y="5822"/>
-                </a:lnTo>
-                <a:lnTo>
-                  <a:pt x="1577" y="6914"/>
-                </a:lnTo>
-                <a:lnTo>
-                  <a:pt x="1031" y="8066"/>
-                </a:lnTo>
-                <a:lnTo>
-                  <a:pt x="607" y="9279"/>
-                </a:lnTo>
-                <a:lnTo>
-                  <a:pt x="243" y="10552"/>
-                </a:lnTo>
-                <a:lnTo>
-                  <a:pt x="61" y="11826"/>
-                </a:lnTo>
-                <a:lnTo>
-                  <a:pt x="0" y="13220"/>
-                </a:lnTo>
-                <a:lnTo>
-                  <a:pt x="0" y="136447"/>
-                </a:lnTo>
-                <a:lnTo>
-                  <a:pt x="0" y="136447"/>
-                </a:lnTo>
-                <a:lnTo>
-                  <a:pt x="61" y="137841"/>
-                </a:lnTo>
-                <a:lnTo>
-                  <a:pt x="243" y="139115"/>
-                </a:lnTo>
-                <a:lnTo>
-                  <a:pt x="607" y="140388"/>
-                </a:lnTo>
-                <a:lnTo>
-                  <a:pt x="1031" y="141601"/>
-                </a:lnTo>
-                <a:lnTo>
-                  <a:pt x="1577" y="142753"/>
-                </a:lnTo>
-                <a:lnTo>
-                  <a:pt x="2244" y="143845"/>
-                </a:lnTo>
-                <a:lnTo>
-                  <a:pt x="3032" y="144876"/>
-                </a:lnTo>
-                <a:lnTo>
-                  <a:pt x="3881" y="145786"/>
-                </a:lnTo>
-                <a:lnTo>
-                  <a:pt x="4791" y="146635"/>
-                </a:lnTo>
-                <a:lnTo>
-                  <a:pt x="5822" y="147423"/>
-                </a:lnTo>
-                <a:lnTo>
-                  <a:pt x="6914" y="148090"/>
-                </a:lnTo>
-                <a:lnTo>
-                  <a:pt x="8066" y="148636"/>
-                </a:lnTo>
-                <a:lnTo>
-                  <a:pt x="9279" y="149060"/>
-                </a:lnTo>
-                <a:lnTo>
-                  <a:pt x="10552" y="149424"/>
-                </a:lnTo>
-                <a:lnTo>
-                  <a:pt x="11826" y="149606"/>
-                </a:lnTo>
-                <a:lnTo>
-                  <a:pt x="13220" y="149667"/>
-                </a:lnTo>
-                <a:lnTo>
-                  <a:pt x="272288" y="149667"/>
-                </a:lnTo>
-                <a:lnTo>
-                  <a:pt x="272288" y="149667"/>
-                </a:lnTo>
-                <a:lnTo>
-                  <a:pt x="273682" y="149606"/>
-                </a:lnTo>
-                <a:lnTo>
-                  <a:pt x="274956" y="149424"/>
-                </a:lnTo>
-                <a:lnTo>
-                  <a:pt x="276229" y="149060"/>
-                </a:lnTo>
-                <a:lnTo>
-                  <a:pt x="277442" y="148636"/>
-                </a:lnTo>
-                <a:lnTo>
-                  <a:pt x="278594" y="148090"/>
-                </a:lnTo>
-                <a:lnTo>
-                  <a:pt x="279686" y="147423"/>
-                </a:lnTo>
-                <a:lnTo>
-                  <a:pt x="280717" y="146635"/>
-                </a:lnTo>
-                <a:lnTo>
-                  <a:pt x="281627" y="145786"/>
-                </a:lnTo>
-                <a:lnTo>
-                  <a:pt x="282476" y="144876"/>
-                </a:lnTo>
-                <a:lnTo>
-                  <a:pt x="283264" y="143845"/>
-                </a:lnTo>
-                <a:lnTo>
-                  <a:pt x="283931" y="142753"/>
-                </a:lnTo>
-                <a:lnTo>
-                  <a:pt x="284477" y="141601"/>
-                </a:lnTo>
-                <a:lnTo>
-                  <a:pt x="284901" y="140388"/>
-                </a:lnTo>
-                <a:lnTo>
-                  <a:pt x="285265" y="139115"/>
-                </a:lnTo>
-                <a:lnTo>
-                  <a:pt x="285447" y="137841"/>
-                </a:lnTo>
-                <a:lnTo>
-                  <a:pt x="285508" y="136447"/>
-                </a:lnTo>
-                <a:lnTo>
-                  <a:pt x="285508" y="32626"/>
-                </a:lnTo>
-              </a:path>
-            </a:pathLst>
-          </a:custGeom>
-          <a:noFill/>
-          <a:ln w="19050" cap="flat" cmpd="sng">
-            <a:solidFill>
-              <a:srgbClr val="FFB600"/>
-            </a:solidFill>
-            <a:prstDash val="dot"/>
-            <a:round/>
-            <a:headEnd type="none" w="sm" len="sm"/>
-            <a:tailEnd type="none" w="sm" len="sm"/>
-          </a:ln>
-        </p:spPr>
-        <p:txBody>
-          <a:bodyPr spcFirstLastPara="1" wrap="square" lIns="91425" tIns="91425" rIns="91425" bIns="91425" anchor="ctr" anchorCtr="0">
-            <a:noAutofit/>
-          </a:bodyPr>
-          <a:lstStyle/>
-          <a:p>
-            <a:pPr marL="0" lvl="0" indent="0" rtl="0">
-              <a:spcBef>
-                <a:spcPts val="0"/>
-              </a:spcBef>
-              <a:spcAft>
-                <a:spcPts val="0"/>
-              </a:spcAft>
-              <a:buNone/>
-            </a:pPr>
-            <a:endParaRPr/>
-          </a:p>
-        </p:txBody>
-      </p:sp>
-      <p:sp>
-        <p:nvSpPr>
-          <p:cNvPr id="28" name="Shape 28"/>
-          <p:cNvSpPr txBox="1">
-            <a:spLocks noGrp="1"/>
-          </p:cNvSpPr>
-          <p:nvPr>
-            <p:ph type="title"/>
-          </p:nvPr>
-        </p:nvSpPr>
-        <p:spPr>
-          <a:xfrm>
-            <a:off x="922000" y="891775"/>
-            <a:ext cx="6866100" cy="857400"/>
-          </a:xfrm>
-          <a:prstGeom prst="rect">
-            <a:avLst/>
-          </a:prstGeom>
-        </p:spPr>
-        <p:txBody>
-          <a:bodyPr spcFirstLastPara="1" wrap="square" lIns="91425" tIns="91425" rIns="91425" bIns="91425" anchor="t" anchorCtr="0"/>
-          <a:lstStyle>
-            <a:lvl1pPr lvl="0">
-              <a:spcBef>
-                <a:spcPts val="0"/>
-              </a:spcBef>
-              <a:spcAft>
-                <a:spcPts val="0"/>
-              </a:spcAft>
-              <a:buSzPts val="5800"/>
-              <a:buNone/>
-              <a:defRPr/>
-            </a:lvl1pPr>
-            <a:lvl2pPr lvl="1">
-              <a:spcBef>
-                <a:spcPts val="0"/>
-              </a:spcBef>
-              <a:spcAft>
-                <a:spcPts val="0"/>
-              </a:spcAft>
-              <a:buSzPts val="5800"/>
-              <a:buNone/>
-              <a:defRPr/>
-            </a:lvl2pPr>
-            <a:lvl3pPr lvl="2">
-              <a:spcBef>
-                <a:spcPts val="0"/>
-              </a:spcBef>
-              <a:spcAft>
-                <a:spcPts val="0"/>
-              </a:spcAft>
-              <a:buSzPts val="5800"/>
-              <a:buNone/>
-              <a:defRPr/>
-            </a:lvl3pPr>
-            <a:lvl4pPr lvl="3">
-              <a:spcBef>
-                <a:spcPts val="0"/>
-              </a:spcBef>
-              <a:spcAft>
-                <a:spcPts val="0"/>
-              </a:spcAft>
-              <a:buSzPts val="5800"/>
-              <a:buNone/>
-              <a:defRPr/>
-            </a:lvl4pPr>
-            <a:lvl5pPr lvl="4">
-              <a:spcBef>
-                <a:spcPts val="0"/>
-              </a:spcBef>
-              <a:spcAft>
-                <a:spcPts val="0"/>
-              </a:spcAft>
-              <a:buSzPts val="5800"/>
-              <a:buNone/>
-              <a:defRPr/>
-            </a:lvl5pPr>
-            <a:lvl6pPr lvl="5">
-              <a:spcBef>
-                <a:spcPts val="0"/>
-              </a:spcBef>
-              <a:spcAft>
-                <a:spcPts val="0"/>
-              </a:spcAft>
-              <a:buSzPts val="5800"/>
-              <a:buNone/>
-              <a:defRPr/>
-            </a:lvl6pPr>
-            <a:lvl7pPr lvl="6">
-              <a:spcBef>
-                <a:spcPts val="0"/>
-              </a:spcBef>
-              <a:spcAft>
-                <a:spcPts val="0"/>
-              </a:spcAft>
-              <a:buSzPts val="5800"/>
-              <a:buNone/>
-              <a:defRPr/>
-            </a:lvl7pPr>
-            <a:lvl8pPr lvl="7">
-              <a:spcBef>
-                <a:spcPts val="0"/>
-              </a:spcBef>
-              <a:spcAft>
-                <a:spcPts val="0"/>
-              </a:spcAft>
-              <a:buSzPts val="5800"/>
-              <a:buNone/>
-              <a:defRPr/>
-            </a:lvl8pPr>
-            <a:lvl9pPr lvl="8">
-              <a:spcBef>
-                <a:spcPts val="0"/>
-              </a:spcBef>
-              <a:spcAft>
-                <a:spcPts val="0"/>
-              </a:spcAft>
-              <a:buSzPts val="5800"/>
-              <a:buNone/>
-              <a:defRPr/>
-            </a:lvl9pPr>
-          </a:lstStyle>
-          <a:p>
-            <a:endParaRPr/>
-          </a:p>
-        </p:txBody>
-      </p:sp>
-      <p:sp>
-        <p:nvSpPr>
-          <p:cNvPr id="29" name="Shape 29"/>
-          <p:cNvSpPr txBox="1">
-            <a:spLocks noGrp="1"/>
-          </p:cNvSpPr>
-          <p:nvPr>
-            <p:ph type="body" idx="1"/>
-          </p:nvPr>
-        </p:nvSpPr>
-        <p:spPr>
-          <a:xfrm>
-            <a:off x="922000" y="1887378"/>
-            <a:ext cx="3543300" cy="3027600"/>
-          </a:xfrm>
-          <a:prstGeom prst="rect">
-            <a:avLst/>
-          </a:prstGeom>
-        </p:spPr>
-        <p:txBody>
-          <a:bodyPr spcFirstLastPara="1" wrap="square" lIns="91425" tIns="91425" rIns="91425" bIns="91425" anchor="t" anchorCtr="0"/>
-          <a:lstStyle>
-            <a:lvl1pPr marL="457200" lvl="0" indent="-342900">
-              <a:spcBef>
-                <a:spcPts val="600"/>
-              </a:spcBef>
-              <a:spcAft>
-                <a:spcPts val="0"/>
-              </a:spcAft>
-              <a:buSzPts val="1800"/>
-              <a:buChar char="●"/>
-              <a:defRPr/>
-            </a:lvl1pPr>
-            <a:lvl2pPr marL="914400" lvl="1" indent="-342900">
-              <a:spcBef>
-                <a:spcPts val="0"/>
-              </a:spcBef>
-              <a:spcAft>
-                <a:spcPts val="0"/>
-              </a:spcAft>
-              <a:buSzPts val="1800"/>
-              <a:buChar char="○"/>
-              <a:defRPr/>
-            </a:lvl2pPr>
-            <a:lvl3pPr marL="1371600" lvl="2" indent="-342900">
-              <a:spcBef>
-                <a:spcPts val="0"/>
-              </a:spcBef>
-              <a:spcAft>
-                <a:spcPts val="0"/>
-              </a:spcAft>
-              <a:buSzPts val="1800"/>
-              <a:buChar char="■"/>
-              <a:defRPr/>
-            </a:lvl3pPr>
-            <a:lvl4pPr marL="1828800" lvl="3" indent="-342900">
-              <a:spcBef>
-                <a:spcPts val="0"/>
-              </a:spcBef>
-              <a:spcAft>
-                <a:spcPts val="0"/>
-              </a:spcAft>
-              <a:buSzPts val="1800"/>
-              <a:buChar char="●"/>
-              <a:defRPr/>
-            </a:lvl4pPr>
-            <a:lvl5pPr marL="2286000" lvl="4" indent="-342900">
-              <a:spcBef>
-                <a:spcPts val="0"/>
-              </a:spcBef>
-              <a:spcAft>
-                <a:spcPts val="0"/>
-              </a:spcAft>
-              <a:buSzPts val="1800"/>
-              <a:buChar char="○"/>
-              <a:defRPr/>
-            </a:lvl5pPr>
-            <a:lvl6pPr marL="2743200" lvl="5" indent="-342900">
-              <a:spcBef>
-                <a:spcPts val="0"/>
-              </a:spcBef>
-              <a:spcAft>
-                <a:spcPts val="0"/>
-              </a:spcAft>
-              <a:buSzPts val="1800"/>
-              <a:buChar char="■"/>
-              <a:defRPr/>
-            </a:lvl6pPr>
-            <a:lvl7pPr marL="3200400" lvl="6" indent="-342900">
-              <a:spcBef>
-                <a:spcPts val="0"/>
-              </a:spcBef>
-              <a:spcAft>
-                <a:spcPts val="0"/>
-              </a:spcAft>
-              <a:buSzPts val="1800"/>
-              <a:buChar char="●"/>
-              <a:defRPr/>
-            </a:lvl7pPr>
-            <a:lvl8pPr marL="3657600" lvl="7" indent="-342900">
-              <a:spcBef>
-                <a:spcPts val="0"/>
-              </a:spcBef>
-              <a:spcAft>
-                <a:spcPts val="0"/>
-              </a:spcAft>
-              <a:buSzPts val="1800"/>
-              <a:buChar char="○"/>
-              <a:defRPr/>
-            </a:lvl8pPr>
-            <a:lvl9pPr marL="4114800" lvl="8" indent="-342900">
-              <a:spcBef>
-                <a:spcPts val="0"/>
-              </a:spcBef>
-              <a:spcAft>
-                <a:spcPts val="0"/>
-              </a:spcAft>
-              <a:buSzPts val="1800"/>
-              <a:buChar char="■"/>
-              <a:defRPr/>
-            </a:lvl9pPr>
-          </a:lstStyle>
-          <a:p>
-            <a:endParaRPr/>
-          </a:p>
-        </p:txBody>
-      </p:sp>
-      <p:sp>
-        <p:nvSpPr>
-          <p:cNvPr id="30" name="Shape 30"/>
-          <p:cNvSpPr txBox="1">
-            <a:spLocks noGrp="1"/>
-          </p:cNvSpPr>
-          <p:nvPr>
-            <p:ph type="body" idx="2"/>
-          </p:nvPr>
-        </p:nvSpPr>
-        <p:spPr>
-          <a:xfrm>
-            <a:off x="4678687" y="1887378"/>
-            <a:ext cx="3543300" cy="3027600"/>
-          </a:xfrm>
-          <a:prstGeom prst="rect">
-            <a:avLst/>
-          </a:prstGeom>
-        </p:spPr>
-        <p:txBody>
-          <a:bodyPr spcFirstLastPara="1" wrap="square" lIns="91425" tIns="91425" rIns="91425" bIns="91425" anchor="t" anchorCtr="0"/>
-          <a:lstStyle>
-            <a:lvl1pPr marL="457200" lvl="0" indent="-342900">
-              <a:spcBef>
-                <a:spcPts val="600"/>
-              </a:spcBef>
-              <a:spcAft>
-                <a:spcPts val="0"/>
-              </a:spcAft>
-              <a:buSzPts val="1800"/>
-              <a:buChar char="●"/>
-              <a:defRPr/>
-            </a:lvl1pPr>
-            <a:lvl2pPr marL="914400" lvl="1" indent="-342900">
-              <a:spcBef>
-                <a:spcPts val="0"/>
-              </a:spcBef>
-              <a:spcAft>
-                <a:spcPts val="0"/>
-              </a:spcAft>
-              <a:buSzPts val="1800"/>
-              <a:buChar char="○"/>
-              <a:defRPr/>
-            </a:lvl2pPr>
-            <a:lvl3pPr marL="1371600" lvl="2" indent="-342900">
-              <a:spcBef>
-                <a:spcPts val="0"/>
-              </a:spcBef>
-              <a:spcAft>
-                <a:spcPts val="0"/>
-              </a:spcAft>
-              <a:buSzPts val="1800"/>
-              <a:buChar char="■"/>
-              <a:defRPr/>
-            </a:lvl3pPr>
-            <a:lvl4pPr marL="1828800" lvl="3" indent="-342900">
-              <a:spcBef>
-                <a:spcPts val="0"/>
-              </a:spcBef>
-              <a:spcAft>
-                <a:spcPts val="0"/>
-              </a:spcAft>
-              <a:buSzPts val="1800"/>
-              <a:buChar char="●"/>
-              <a:defRPr/>
-            </a:lvl4pPr>
-            <a:lvl5pPr marL="2286000" lvl="4" indent="-342900">
-              <a:spcBef>
-                <a:spcPts val="0"/>
-              </a:spcBef>
-              <a:spcAft>
-                <a:spcPts val="0"/>
-              </a:spcAft>
-              <a:buSzPts val="1800"/>
-              <a:buChar char="○"/>
-              <a:defRPr/>
-            </a:lvl5pPr>
-            <a:lvl6pPr marL="2743200" lvl="5" indent="-342900">
-              <a:spcBef>
-                <a:spcPts val="0"/>
-              </a:spcBef>
-              <a:spcAft>
-                <a:spcPts val="0"/>
-              </a:spcAft>
-              <a:buSzPts val="1800"/>
-              <a:buChar char="■"/>
-              <a:defRPr/>
-            </a:lvl6pPr>
-            <a:lvl7pPr marL="3200400" lvl="6" indent="-342900">
-              <a:spcBef>
-                <a:spcPts val="0"/>
-              </a:spcBef>
-              <a:spcAft>
-                <a:spcPts val="0"/>
-              </a:spcAft>
-              <a:buSzPts val="1800"/>
-              <a:buChar char="●"/>
-              <a:defRPr/>
-            </a:lvl7pPr>
-            <a:lvl8pPr marL="3657600" lvl="7" indent="-342900">
-              <a:spcBef>
-                <a:spcPts val="0"/>
-              </a:spcBef>
-              <a:spcAft>
-                <a:spcPts val="0"/>
-              </a:spcAft>
-              <a:buSzPts val="1800"/>
-              <a:buChar char="○"/>
-              <a:defRPr/>
-            </a:lvl8pPr>
-            <a:lvl9pPr marL="4114800" lvl="8" indent="-342900">
-              <a:spcBef>
-                <a:spcPts val="0"/>
-              </a:spcBef>
-              <a:spcAft>
-                <a:spcPts val="0"/>
-              </a:spcAft>
-              <a:buSzPts val="1800"/>
-              <a:buChar char="■"/>
-              <a:defRPr/>
-            </a:lvl9pPr>
-          </a:lstStyle>
-          <a:p>
-            <a:endParaRPr/>
-          </a:p>
-        </p:txBody>
-      </p:sp>
-      <p:sp>
-        <p:nvSpPr>
-          <p:cNvPr id="31" name="Shape 31"/>
-          <p:cNvSpPr txBox="1">
-            <a:spLocks noGrp="1"/>
-          </p:cNvSpPr>
-          <p:nvPr>
-            <p:ph type="sldNum" idx="12"/>
-          </p:nvPr>
-        </p:nvSpPr>
-        <p:spPr>
-          <a:xfrm>
-            <a:off x="8604400" y="4590300"/>
-            <a:ext cx="539700" cy="553200"/>
-          </a:xfrm>
-          <a:prstGeom prst="rect">
-            <a:avLst/>
-          </a:prstGeom>
-        </p:spPr>
-        <p:txBody>
-          <a:bodyPr spcFirstLastPara="1" wrap="square" lIns="91425" tIns="91425" rIns="91425" bIns="91425" anchor="ctr" anchorCtr="0">
-            <a:noAutofit/>
-          </a:bodyPr>
-          <a:lstStyle>
-            <a:lvl1pPr lvl="0">
-              <a:buNone/>
-              <a:defRPr/>
-            </a:lvl1pPr>
-            <a:lvl2pPr lvl="1">
-              <a:buNone/>
-              <a:defRPr/>
-            </a:lvl2pPr>
-            <a:lvl3pPr lvl="2">
-              <a:buNone/>
-              <a:defRPr/>
-            </a:lvl3pPr>
-            <a:lvl4pPr lvl="3">
-              <a:buNone/>
-              <a:defRPr/>
-            </a:lvl4pPr>
-            <a:lvl5pPr lvl="4">
-              <a:buNone/>
-              <a:defRPr/>
-            </a:lvl5pPr>
-            <a:lvl6pPr lvl="5">
-              <a:buNone/>
-              <a:defRPr/>
-            </a:lvl6pPr>
-            <a:lvl7pPr lvl="6">
-              <a:buNone/>
-              <a:defRPr/>
-            </a:lvl7pPr>
-            <a:lvl8pPr lvl="7">
-              <a:buNone/>
-              <a:defRPr/>
-            </a:lvl8pPr>
-            <a:lvl9pPr lvl="8">
-              <a:buNone/>
-              <a:defRPr/>
-            </a:lvl9pPr>
-          </a:lstStyle>
-          <a:p>
-            <a:pPr marL="0" lvl="0" indent="0">
-              <a:spcBef>
-                <a:spcPts val="0"/>
-              </a:spcBef>
-              <a:spcAft>
-                <a:spcPts val="0"/>
-              </a:spcAft>
-              <a:buNone/>
-            </a:pPr>
-            <a:fld id="{00000000-1234-1234-1234-123412341234}" type="slidenum">
-              <a:rPr lang="en"/>
-              <a:t>‹#›</a:t>
-            </a:fld>
-            <a:endParaRPr/>
-          </a:p>
-        </p:txBody>
-      </p:sp>
-    </p:spTree>
-  </p:cSld>
-  <p:clrMapOvr>
-    <a:masterClrMapping/>
-  </p:clrMapOvr>
-</p:sldLayout>
-</file>
-
-<file path=ppt/slideLayouts/slideLayout4.xml><?xml version="1.0" encoding="utf-8"?>
 <p:sldLayout xmlns:a="http://schemas.openxmlformats.org/drawingml/2006/main" xmlns:r="http://schemas.openxmlformats.org/officeDocument/2006/relationships" xmlns:p="http://schemas.openxmlformats.org/presentationml/2006/main" matchingName="Title + 3 columns">
   <p:cSld name="TITLE_AND_TWO_COLUMNS_1">
     <p:spTree>
@@ -8351,7 +7141,7 @@
 </p:sldLayout>
 </file>
 
-<file path=ppt/slideLayouts/slideLayout5.xml><?xml version="1.0" encoding="utf-8"?>
+<file path=ppt/slideLayouts/slideLayout4.xml><?xml version="1.0" encoding="utf-8"?>
 <p:sldLayout xmlns:a="http://schemas.openxmlformats.org/drawingml/2006/main" xmlns:r="http://schemas.openxmlformats.org/officeDocument/2006/relationships" xmlns:p="http://schemas.openxmlformats.org/presentationml/2006/main" matchingName="Blank" type="blank">
   <p:cSld name="BLANK">
     <p:spTree>
@@ -8675,7 +7465,7 @@
 </p:sldLayout>
 </file>
 
-<file path=ppt/slideLayouts/slideLayout6.xml><?xml version="1.0" encoding="utf-8"?>
+<file path=ppt/slideLayouts/slideLayout5.xml><?xml version="1.0" encoding="utf-8"?>
 <p:sldLayout xmlns:a="http://schemas.openxmlformats.org/drawingml/2006/main" xmlns:r="http://schemas.openxmlformats.org/officeDocument/2006/relationships" xmlns:p="http://schemas.openxmlformats.org/presentationml/2006/main" showMasterSp="0" type="title" preserve="1">
   <p:cSld name="Title Slide">
     <p:spTree>
@@ -8852,7 +7642,7 @@
 </p:sldLayout>
 </file>
 
-<file path=ppt/slideLayouts/slideLayout7.xml><?xml version="1.0" encoding="utf-8"?>
+<file path=ppt/slideLayouts/slideLayout6.xml><?xml version="1.0" encoding="utf-8"?>
 <p:sldLayout xmlns:a="http://schemas.openxmlformats.org/drawingml/2006/main" xmlns:r="http://schemas.openxmlformats.org/officeDocument/2006/relationships" xmlns:p="http://schemas.openxmlformats.org/presentationml/2006/main" type="obj" preserve="1">
   <p:cSld name="Title and Content">
     <p:spTree>
@@ -9035,7 +7825,7 @@
 </p:sldLayout>
 </file>
 
-<file path=ppt/slideLayouts/slideLayout8.xml><?xml version="1.0" encoding="utf-8"?>
+<file path=ppt/slideLayouts/slideLayout7.xml><?xml version="1.0" encoding="utf-8"?>
 <p:sldLayout xmlns:a="http://schemas.openxmlformats.org/drawingml/2006/main" xmlns:r="http://schemas.openxmlformats.org/officeDocument/2006/relationships" xmlns:p="http://schemas.openxmlformats.org/presentationml/2006/main" showMasterSp="0" type="secHead" preserve="1">
   <p:cSld name="Section Header">
     <p:spTree>
@@ -9262,7 +8052,7 @@
 </p:sldLayout>
 </file>
 
-<file path=ppt/slideLayouts/slideLayout9.xml><?xml version="1.0" encoding="utf-8"?>
+<file path=ppt/slideLayouts/slideLayout8.xml><?xml version="1.0" encoding="utf-8"?>
 <p:sldLayout xmlns:a="http://schemas.openxmlformats.org/drawingml/2006/main" xmlns:r="http://schemas.openxmlformats.org/officeDocument/2006/relationships" xmlns:p="http://schemas.openxmlformats.org/presentationml/2006/main" type="twoObj" preserve="1">
   <p:cSld name="Two Content">
     <p:spTree>
@@ -9486,6 +8276,406 @@
     <p:extLst>
       <p:ext uri="{BB962C8B-B14F-4D97-AF65-F5344CB8AC3E}">
         <p14:creationId xmlns:p14="http://schemas.microsoft.com/office/powerpoint/2010/main" val="158242166"/>
+      </p:ext>
+    </p:extLst>
+  </p:cSld>
+  <p:clrMapOvr>
+    <a:masterClrMapping/>
+  </p:clrMapOvr>
+  <mc:AlternateContent xmlns:mc="http://schemas.openxmlformats.org/markup-compatibility/2006" xmlns:p14="http://schemas.microsoft.com/office/powerpoint/2010/main">
+    <mc:Choice Requires="p14">
+      <p:transition spd="med" p14:dur="700">
+        <p:fade/>
+      </p:transition>
+    </mc:Choice>
+    <mc:Fallback xmlns="">
+      <p:transition spd="med">
+        <p:fade/>
+      </p:transition>
+    </mc:Fallback>
+  </mc:AlternateContent>
+</p:sldLayout>
+</file>
+
+<file path=ppt/slideLayouts/slideLayout9.xml><?xml version="1.0" encoding="utf-8"?>
+<p:sldLayout xmlns:a="http://schemas.openxmlformats.org/drawingml/2006/main" xmlns:r="http://schemas.openxmlformats.org/officeDocument/2006/relationships" xmlns:p="http://schemas.openxmlformats.org/presentationml/2006/main" type="twoTxTwoObj" preserve="1">
+  <p:cSld name="Comparison">
+    <p:spTree>
+      <p:nvGrpSpPr>
+        <p:cNvPr id="1" name=""/>
+        <p:cNvGrpSpPr/>
+        <p:nvPr/>
+      </p:nvGrpSpPr>
+      <p:grpSpPr>
+        <a:xfrm>
+          <a:off x="0" y="0"/>
+          <a:ext cx="0" cy="0"/>
+          <a:chOff x="0" y="0"/>
+          <a:chExt cx="0" cy="0"/>
+        </a:xfrm>
+      </p:grpSpPr>
+      <p:sp>
+        <p:nvSpPr>
+          <p:cNvPr id="2" name="Title 1"/>
+          <p:cNvSpPr>
+            <a:spLocks noGrp="1"/>
+          </p:cNvSpPr>
+          <p:nvPr>
+            <p:ph type="title"/>
+          </p:nvPr>
+        </p:nvSpPr>
+        <p:spPr/>
+        <p:txBody>
+          <a:bodyPr/>
+          <a:lstStyle/>
+          <a:p>
+            <a:r>
+              <a:rPr lang="en-US"/>
+              <a:t>Click to edit Master title style</a:t>
+            </a:r>
+          </a:p>
+        </p:txBody>
+      </p:sp>
+      <p:sp>
+        <p:nvSpPr>
+          <p:cNvPr id="3" name="Text Placeholder 2"/>
+          <p:cNvSpPr>
+            <a:spLocks noGrp="1"/>
+          </p:cNvSpPr>
+          <p:nvPr>
+            <p:ph type="body" idx="1"/>
+          </p:nvPr>
+        </p:nvSpPr>
+        <p:spPr>
+          <a:xfrm>
+            <a:off x="1143000" y="1371600"/>
+            <a:ext cx="3291840" cy="596900"/>
+          </a:xfrm>
+        </p:spPr>
+        <p:txBody>
+          <a:bodyPr anchor="ctr">
+            <a:normAutofit/>
+          </a:bodyPr>
+          <a:lstStyle>
+            <a:lvl1pPr marL="0" indent="0">
+              <a:spcBef>
+                <a:spcPts val="0"/>
+              </a:spcBef>
+              <a:buNone/>
+              <a:defRPr sz="1800" b="0">
+                <a:solidFill>
+                  <a:schemeClr val="accent4">
+                    <a:lumMod val="75000"/>
+                  </a:schemeClr>
+                </a:solidFill>
+                <a:latin typeface="+mj-lt"/>
+              </a:defRPr>
+            </a:lvl1pPr>
+            <a:lvl2pPr marL="342900" indent="0">
+              <a:buNone/>
+              <a:defRPr sz="1500" b="1"/>
+            </a:lvl2pPr>
+            <a:lvl3pPr marL="685800" indent="0">
+              <a:buNone/>
+              <a:defRPr sz="1350" b="1"/>
+            </a:lvl3pPr>
+            <a:lvl4pPr marL="1028700" indent="0">
+              <a:buNone/>
+              <a:defRPr sz="1200" b="1"/>
+            </a:lvl4pPr>
+            <a:lvl5pPr marL="1371600" indent="0">
+              <a:buNone/>
+              <a:defRPr sz="1200" b="1"/>
+            </a:lvl5pPr>
+            <a:lvl6pPr marL="1714500" indent="0">
+              <a:buNone/>
+              <a:defRPr sz="1200" b="1"/>
+            </a:lvl6pPr>
+            <a:lvl7pPr marL="2057400" indent="0">
+              <a:buNone/>
+              <a:defRPr sz="1200" b="1"/>
+            </a:lvl7pPr>
+            <a:lvl8pPr marL="2400300" indent="0">
+              <a:buNone/>
+              <a:defRPr sz="1200" b="1"/>
+            </a:lvl8pPr>
+            <a:lvl9pPr marL="2743200" indent="0">
+              <a:buNone/>
+              <a:defRPr sz="1200" b="1"/>
+            </a:lvl9pPr>
+          </a:lstStyle>
+          <a:p>
+            <a:pPr lvl="0"/>
+            <a:r>
+              <a:rPr lang="en-US"/>
+              <a:t>Edit Master text styles</a:t>
+            </a:r>
+          </a:p>
+        </p:txBody>
+      </p:sp>
+      <p:sp>
+        <p:nvSpPr>
+          <p:cNvPr id="4" name="Content Placeholder 3"/>
+          <p:cNvSpPr>
+            <a:spLocks noGrp="1"/>
+          </p:cNvSpPr>
+          <p:nvPr>
+            <p:ph sz="half" idx="2"/>
+          </p:nvPr>
+        </p:nvSpPr>
+        <p:spPr>
+          <a:xfrm>
+            <a:off x="1143000" y="1968500"/>
+            <a:ext cx="3291840" cy="2006600"/>
+          </a:xfrm>
+        </p:spPr>
+        <p:txBody>
+          <a:bodyPr/>
+          <a:lstStyle/>
+          <a:p>
+            <a:pPr lvl="0"/>
+            <a:r>
+              <a:rPr lang="en-US"/>
+              <a:t>Edit Master text styles</a:t>
+            </a:r>
+          </a:p>
+          <a:p>
+            <a:pPr lvl="1"/>
+            <a:r>
+              <a:rPr lang="en-US"/>
+              <a:t>Second level</a:t>
+            </a:r>
+          </a:p>
+          <a:p>
+            <a:pPr lvl="2"/>
+            <a:r>
+              <a:rPr lang="en-US"/>
+              <a:t>Third level</a:t>
+            </a:r>
+          </a:p>
+          <a:p>
+            <a:pPr lvl="3"/>
+            <a:r>
+              <a:rPr lang="en-US"/>
+              <a:t>Fourth level</a:t>
+            </a:r>
+          </a:p>
+          <a:p>
+            <a:pPr lvl="4"/>
+            <a:r>
+              <a:rPr lang="en-US"/>
+              <a:t>Fifth level</a:t>
+            </a:r>
+            <a:endParaRPr lang="en-US" dirty="0"/>
+          </a:p>
+        </p:txBody>
+      </p:sp>
+      <p:sp>
+        <p:nvSpPr>
+          <p:cNvPr id="5" name="Text Placeholder 4"/>
+          <p:cNvSpPr>
+            <a:spLocks noGrp="1"/>
+          </p:cNvSpPr>
+          <p:nvPr>
+            <p:ph type="body" sz="quarter" idx="3"/>
+          </p:nvPr>
+        </p:nvSpPr>
+        <p:spPr>
+          <a:xfrm>
+            <a:off x="4709160" y="1371600"/>
+            <a:ext cx="3291840" cy="596900"/>
+          </a:xfrm>
+        </p:spPr>
+        <p:txBody>
+          <a:bodyPr anchor="ctr">
+            <a:normAutofit/>
+          </a:bodyPr>
+          <a:lstStyle>
+            <a:lvl1pPr marL="0" indent="0">
+              <a:spcBef>
+                <a:spcPts val="0"/>
+              </a:spcBef>
+              <a:buNone/>
+              <a:defRPr sz="1800" b="0">
+                <a:solidFill>
+                  <a:schemeClr val="accent4">
+                    <a:lumMod val="75000"/>
+                  </a:schemeClr>
+                </a:solidFill>
+                <a:latin typeface="+mj-lt"/>
+              </a:defRPr>
+            </a:lvl1pPr>
+            <a:lvl2pPr marL="342900" indent="0">
+              <a:buNone/>
+              <a:defRPr sz="1500" b="1"/>
+            </a:lvl2pPr>
+            <a:lvl3pPr marL="685800" indent="0">
+              <a:buNone/>
+              <a:defRPr sz="1350" b="1"/>
+            </a:lvl3pPr>
+            <a:lvl4pPr marL="1028700" indent="0">
+              <a:buNone/>
+              <a:defRPr sz="1200" b="1"/>
+            </a:lvl4pPr>
+            <a:lvl5pPr marL="1371600" indent="0">
+              <a:buNone/>
+              <a:defRPr sz="1200" b="1"/>
+            </a:lvl5pPr>
+            <a:lvl6pPr marL="1714500" indent="0">
+              <a:buNone/>
+              <a:defRPr sz="1200" b="1"/>
+            </a:lvl6pPr>
+            <a:lvl7pPr marL="2057400" indent="0">
+              <a:buNone/>
+              <a:defRPr sz="1200" b="1"/>
+            </a:lvl7pPr>
+            <a:lvl8pPr marL="2400300" indent="0">
+              <a:buNone/>
+              <a:defRPr sz="1200" b="1"/>
+            </a:lvl8pPr>
+            <a:lvl9pPr marL="2743200" indent="0">
+              <a:buNone/>
+              <a:defRPr sz="1200" b="1"/>
+            </a:lvl9pPr>
+          </a:lstStyle>
+          <a:p>
+            <a:pPr lvl="0"/>
+            <a:r>
+              <a:rPr lang="en-US"/>
+              <a:t>Edit Master text styles</a:t>
+            </a:r>
+          </a:p>
+        </p:txBody>
+      </p:sp>
+      <p:sp>
+        <p:nvSpPr>
+          <p:cNvPr id="6" name="Content Placeholder 5"/>
+          <p:cNvSpPr>
+            <a:spLocks noGrp="1"/>
+          </p:cNvSpPr>
+          <p:nvPr>
+            <p:ph sz="quarter" idx="4"/>
+          </p:nvPr>
+        </p:nvSpPr>
+        <p:spPr>
+          <a:xfrm>
+            <a:off x="4709160" y="1968500"/>
+            <a:ext cx="3291840" cy="2006600"/>
+          </a:xfrm>
+        </p:spPr>
+        <p:txBody>
+          <a:bodyPr/>
+          <a:lstStyle/>
+          <a:p>
+            <a:pPr lvl="0"/>
+            <a:r>
+              <a:rPr lang="en-US"/>
+              <a:t>Edit Master text styles</a:t>
+            </a:r>
+          </a:p>
+          <a:p>
+            <a:pPr lvl="1"/>
+            <a:r>
+              <a:rPr lang="en-US"/>
+              <a:t>Second level</a:t>
+            </a:r>
+          </a:p>
+          <a:p>
+            <a:pPr lvl="2"/>
+            <a:r>
+              <a:rPr lang="en-US"/>
+              <a:t>Third level</a:t>
+            </a:r>
+          </a:p>
+          <a:p>
+            <a:pPr lvl="3"/>
+            <a:r>
+              <a:rPr lang="en-US"/>
+              <a:t>Fourth level</a:t>
+            </a:r>
+          </a:p>
+          <a:p>
+            <a:pPr lvl="4"/>
+            <a:r>
+              <a:rPr lang="en-US"/>
+              <a:t>Fifth level</a:t>
+            </a:r>
+            <a:endParaRPr lang="en-US" dirty="0"/>
+          </a:p>
+        </p:txBody>
+      </p:sp>
+      <p:sp>
+        <p:nvSpPr>
+          <p:cNvPr id="8" name="Footer Placeholder 7"/>
+          <p:cNvSpPr>
+            <a:spLocks noGrp="1"/>
+          </p:cNvSpPr>
+          <p:nvPr>
+            <p:ph type="ftr" sz="quarter" idx="11"/>
+          </p:nvPr>
+        </p:nvSpPr>
+        <p:spPr/>
+        <p:txBody>
+          <a:bodyPr/>
+          <a:lstStyle/>
+          <a:p>
+            <a:r>
+              <a:rPr lang="en-US" dirty="0"/>
+              <a:t>Add a footer</a:t>
+            </a:r>
+          </a:p>
+        </p:txBody>
+      </p:sp>
+      <p:sp>
+        <p:nvSpPr>
+          <p:cNvPr id="7" name="Date Placeholder 6"/>
+          <p:cNvSpPr>
+            <a:spLocks noGrp="1"/>
+          </p:cNvSpPr>
+          <p:nvPr>
+            <p:ph type="dt" sz="half" idx="10"/>
+          </p:nvPr>
+        </p:nvSpPr>
+        <p:spPr/>
+        <p:txBody>
+          <a:bodyPr/>
+          <a:lstStyle/>
+          <a:p>
+            <a:fld id="{7FC8593D-7C47-471E-A8DF-97AC4FFD13F5}" type="datetimeFigureOut">
+              <a:rPr lang="en-US" smtClean="0"/>
+              <a:t>4/20/2018</a:t>
+            </a:fld>
+            <a:endParaRPr lang="en-US"/>
+          </a:p>
+        </p:txBody>
+      </p:sp>
+      <p:sp>
+        <p:nvSpPr>
+          <p:cNvPr id="9" name="Slide Number Placeholder 8"/>
+          <p:cNvSpPr>
+            <a:spLocks noGrp="1"/>
+          </p:cNvSpPr>
+          <p:nvPr>
+            <p:ph type="sldNum" sz="quarter" idx="12"/>
+          </p:nvPr>
+        </p:nvSpPr>
+        <p:spPr/>
+        <p:txBody>
+          <a:bodyPr/>
+          <a:lstStyle/>
+          <a:p>
+            <a:fld id="{289D71E3-7D81-4C24-B9D8-6B108755C64C}" type="slidenum">
+              <a:rPr lang="en-US" smtClean="0"/>
+              <a:t>‹#›</a:t>
+            </a:fld>
+            <a:endParaRPr lang="en-US"/>
+          </a:p>
+        </p:txBody>
+      </p:sp>
+    </p:spTree>
+    <p:extLst>
+      <p:ext uri="{BB962C8B-B14F-4D97-AF65-F5344CB8AC3E}">
+        <p14:creationId xmlns:p14="http://schemas.microsoft.com/office/powerpoint/2010/main" val="1063964740"/>
       </p:ext>
     </p:extLst>
   </p:cSld>
@@ -10171,9 +9361,8 @@
   <p:sldLayoutIdLst>
     <p:sldLayoutId id="2147483648" r:id="rId1"/>
     <p:sldLayoutId id="2147483651" r:id="rId2"/>
-    <p:sldLayoutId id="2147483652" r:id="rId3"/>
-    <p:sldLayoutId id="2147483653" r:id="rId4"/>
-    <p:sldLayoutId id="2147483656" r:id="rId5"/>
+    <p:sldLayoutId id="2147483653" r:id="rId3"/>
+    <p:sldLayoutId id="2147483656" r:id="rId4"/>
   </p:sldLayoutIdLst>
   <p:transition>
     <p:fade thruBlk="1"/>
@@ -16801,1231 +15990,6 @@
   <p:cSld>
     <p:spTree>
       <p:nvGrpSpPr>
-        <p:cNvPr id="1" name="Shape 133"/>
-        <p:cNvGrpSpPr/>
-        <p:nvPr/>
-      </p:nvGrpSpPr>
-      <p:grpSpPr>
-        <a:xfrm>
-          <a:off x="0" y="0"/>
-          <a:ext cx="0" cy="0"/>
-          <a:chOff x="0" y="0"/>
-          <a:chExt cx="0" cy="0"/>
-        </a:xfrm>
-      </p:grpSpPr>
-      <p:sp>
-        <p:nvSpPr>
-          <p:cNvPr id="134" name="Shape 134"/>
-          <p:cNvSpPr txBox="1">
-            <a:spLocks noGrp="1"/>
-          </p:cNvSpPr>
-          <p:nvPr>
-            <p:ph type="body" idx="1"/>
-          </p:nvPr>
-        </p:nvSpPr>
-        <p:spPr>
-          <a:xfrm>
-            <a:off x="922000" y="2837400"/>
-            <a:ext cx="3543300" cy="1584600"/>
-          </a:xfrm>
-          <a:prstGeom prst="rect">
-            <a:avLst/>
-          </a:prstGeom>
-        </p:spPr>
-        <p:txBody>
-          <a:bodyPr spcFirstLastPara="1" wrap="square" lIns="91425" tIns="91425" rIns="91425" bIns="91425" anchor="t" anchorCtr="0">
-            <a:noAutofit/>
-          </a:bodyPr>
-          <a:lstStyle/>
-          <a:p>
-            <a:pPr marL="0" lvl="0" indent="0" rtl="0">
-              <a:spcBef>
-                <a:spcPts val="600"/>
-              </a:spcBef>
-              <a:spcAft>
-                <a:spcPts val="0"/>
-              </a:spcAft>
-              <a:buNone/>
-            </a:pPr>
-            <a:r>
-              <a:rPr lang="en" sz="1600" b="1" dirty="0"/>
-              <a:t>White</a:t>
-            </a:r>
-            <a:endParaRPr sz="1600" b="1" dirty="0"/>
-          </a:p>
-          <a:p>
-            <a:pPr marL="0" lvl="0" indent="0">
-              <a:spcBef>
-                <a:spcPts val="600"/>
-              </a:spcBef>
-              <a:spcAft>
-                <a:spcPts val="0"/>
-              </a:spcAft>
-              <a:buNone/>
-            </a:pPr>
-            <a:r>
-              <a:rPr lang="en" sz="1600" dirty="0"/>
-              <a:t>Is the color of milk and fresh snow, the color produced by the combination of all the colors of the visible spectrum.</a:t>
-            </a:r>
-            <a:endParaRPr sz="1600" dirty="0"/>
-          </a:p>
-        </p:txBody>
-      </p:sp>
-      <p:sp>
-        <p:nvSpPr>
-          <p:cNvPr id="135" name="Shape 135"/>
-          <p:cNvSpPr txBox="1">
-            <a:spLocks noGrp="1"/>
-          </p:cNvSpPr>
-          <p:nvPr>
-            <p:ph type="title"/>
-          </p:nvPr>
-        </p:nvSpPr>
-        <p:spPr>
-          <a:xfrm>
-            <a:off x="922000" y="891775"/>
-            <a:ext cx="6866100" cy="857400"/>
-          </a:xfrm>
-          <a:prstGeom prst="rect">
-            <a:avLst/>
-          </a:prstGeom>
-        </p:spPr>
-        <p:txBody>
-          <a:bodyPr spcFirstLastPara="1" wrap="square" lIns="91425" tIns="91425" rIns="91425" bIns="91425" anchor="t" anchorCtr="0">
-            <a:noAutofit/>
-          </a:bodyPr>
-          <a:lstStyle/>
-          <a:p>
-            <a:pPr marL="0" lvl="0" indent="0">
-              <a:spcBef>
-                <a:spcPts val="0"/>
-              </a:spcBef>
-              <a:spcAft>
-                <a:spcPts val="0"/>
-              </a:spcAft>
-              <a:buNone/>
-            </a:pPr>
-            <a:r>
-              <a:rPr lang="en"/>
-              <a:t>You can also </a:t>
-            </a:r>
-            <a:r>
-              <a:rPr lang="en">
-                <a:solidFill>
-                  <a:srgbClr val="FFB600"/>
-                </a:solidFill>
-              </a:rPr>
-              <a:t>split</a:t>
-            </a:r>
-            <a:r>
-              <a:rPr lang="en"/>
-              <a:t> your content</a:t>
-            </a:r>
-            <a:endParaRPr/>
-          </a:p>
-        </p:txBody>
-      </p:sp>
-      <p:sp>
-        <p:nvSpPr>
-          <p:cNvPr id="136" name="Shape 136"/>
-          <p:cNvSpPr txBox="1">
-            <a:spLocks noGrp="1"/>
-          </p:cNvSpPr>
-          <p:nvPr>
-            <p:ph type="body" idx="2"/>
-          </p:nvPr>
-        </p:nvSpPr>
-        <p:spPr>
-          <a:xfrm>
-            <a:off x="4678678" y="2837400"/>
-            <a:ext cx="3543300" cy="1584600"/>
-          </a:xfrm>
-          <a:prstGeom prst="rect">
-            <a:avLst/>
-          </a:prstGeom>
-        </p:spPr>
-        <p:txBody>
-          <a:bodyPr spcFirstLastPara="1" wrap="square" lIns="91425" tIns="91425" rIns="91425" bIns="91425" anchor="t" anchorCtr="0">
-            <a:noAutofit/>
-          </a:bodyPr>
-          <a:lstStyle/>
-          <a:p>
-            <a:pPr marL="0" lvl="0" indent="0" rtl="0">
-              <a:spcBef>
-                <a:spcPts val="600"/>
-              </a:spcBef>
-              <a:spcAft>
-                <a:spcPts val="0"/>
-              </a:spcAft>
-              <a:buNone/>
-            </a:pPr>
-            <a:r>
-              <a:rPr lang="en" sz="1600" b="1"/>
-              <a:t>Black</a:t>
-            </a:r>
-            <a:endParaRPr sz="1600" b="1"/>
-          </a:p>
-          <a:p>
-            <a:pPr marL="0" lvl="0" indent="0">
-              <a:spcBef>
-                <a:spcPts val="600"/>
-              </a:spcBef>
-              <a:spcAft>
-                <a:spcPts val="0"/>
-              </a:spcAft>
-              <a:buNone/>
-            </a:pPr>
-            <a:r>
-              <a:rPr lang="en" sz="1600"/>
-              <a:t>Is the color of coal, ebony, and of outer space. It is the darkest color, the result of the absence of or complete absorption of light.</a:t>
-            </a:r>
-            <a:endParaRPr sz="1600"/>
-          </a:p>
-        </p:txBody>
-      </p:sp>
-      <p:sp>
-        <p:nvSpPr>
-          <p:cNvPr id="137" name="Shape 137"/>
-          <p:cNvSpPr txBox="1">
-            <a:spLocks noGrp="1"/>
-          </p:cNvSpPr>
-          <p:nvPr>
-            <p:ph type="sldNum" idx="12"/>
-          </p:nvPr>
-        </p:nvSpPr>
-        <p:spPr>
-          <a:xfrm>
-            <a:off x="8604400" y="4590300"/>
-            <a:ext cx="539700" cy="553200"/>
-          </a:xfrm>
-          <a:prstGeom prst="rect">
-            <a:avLst/>
-          </a:prstGeom>
-        </p:spPr>
-        <p:txBody>
-          <a:bodyPr spcFirstLastPara="1" wrap="square" lIns="91425" tIns="91425" rIns="91425" bIns="91425" anchor="ctr" anchorCtr="0">
-            <a:noAutofit/>
-          </a:bodyPr>
-          <a:lstStyle/>
-          <a:p>
-            <a:pPr marL="0" lvl="0" indent="0">
-              <a:spcBef>
-                <a:spcPts val="0"/>
-              </a:spcBef>
-              <a:spcAft>
-                <a:spcPts val="0"/>
-              </a:spcAft>
-              <a:buNone/>
-            </a:pPr>
-            <a:fld id="{00000000-1234-1234-1234-123412341234}" type="slidenum">
-              <a:rPr lang="en"/>
-              <a:t>8</a:t>
-            </a:fld>
-            <a:endParaRPr/>
-          </a:p>
-        </p:txBody>
-      </p:sp>
-      <p:sp>
-        <p:nvSpPr>
-          <p:cNvPr id="138" name="Shape 138"/>
-          <p:cNvSpPr/>
-          <p:nvPr/>
-        </p:nvSpPr>
-        <p:spPr>
-          <a:xfrm>
-            <a:off x="8055177" y="292676"/>
-            <a:ext cx="796167" cy="796157"/>
-          </a:xfrm>
-          <a:custGeom>
-            <a:avLst/>
-            <a:gdLst/>
-            <a:ahLst/>
-            <a:cxnLst/>
-            <a:rect l="0" t="0" r="0" b="0"/>
-            <a:pathLst>
-              <a:path w="16072" h="16071" extrusionOk="0">
-                <a:moveTo>
-                  <a:pt x="8036" y="0"/>
-                </a:moveTo>
-                <a:lnTo>
-                  <a:pt x="7938" y="24"/>
-                </a:lnTo>
-                <a:lnTo>
-                  <a:pt x="7792" y="98"/>
-                </a:lnTo>
-                <a:lnTo>
-                  <a:pt x="7328" y="366"/>
-                </a:lnTo>
-                <a:lnTo>
-                  <a:pt x="7059" y="537"/>
-                </a:lnTo>
-                <a:lnTo>
-                  <a:pt x="6766" y="757"/>
-                </a:lnTo>
-                <a:lnTo>
-                  <a:pt x="6448" y="977"/>
-                </a:lnTo>
-                <a:lnTo>
-                  <a:pt x="6155" y="1246"/>
-                </a:lnTo>
-                <a:lnTo>
-                  <a:pt x="5887" y="1514"/>
-                </a:lnTo>
-                <a:lnTo>
-                  <a:pt x="5643" y="1807"/>
-                </a:lnTo>
-                <a:lnTo>
-                  <a:pt x="5447" y="2100"/>
-                </a:lnTo>
-                <a:lnTo>
-                  <a:pt x="5374" y="2247"/>
-                </a:lnTo>
-                <a:lnTo>
-                  <a:pt x="5325" y="2418"/>
-                </a:lnTo>
-                <a:lnTo>
-                  <a:pt x="5276" y="2564"/>
-                </a:lnTo>
-                <a:lnTo>
-                  <a:pt x="5252" y="2711"/>
-                </a:lnTo>
-                <a:lnTo>
-                  <a:pt x="5252" y="2858"/>
-                </a:lnTo>
-                <a:lnTo>
-                  <a:pt x="5276" y="3029"/>
-                </a:lnTo>
-                <a:lnTo>
-                  <a:pt x="5325" y="3175"/>
-                </a:lnTo>
-                <a:lnTo>
-                  <a:pt x="5398" y="3322"/>
-                </a:lnTo>
-                <a:lnTo>
-                  <a:pt x="5496" y="3468"/>
-                </a:lnTo>
-                <a:lnTo>
-                  <a:pt x="5618" y="3615"/>
-                </a:lnTo>
-                <a:lnTo>
-                  <a:pt x="5814" y="3761"/>
-                </a:lnTo>
-                <a:lnTo>
-                  <a:pt x="6009" y="3859"/>
-                </a:lnTo>
-                <a:lnTo>
-                  <a:pt x="6204" y="3957"/>
-                </a:lnTo>
-                <a:lnTo>
-                  <a:pt x="6424" y="4005"/>
-                </a:lnTo>
-                <a:lnTo>
-                  <a:pt x="6644" y="4054"/>
-                </a:lnTo>
-                <a:lnTo>
-                  <a:pt x="6864" y="4152"/>
-                </a:lnTo>
-                <a:lnTo>
-                  <a:pt x="7059" y="4250"/>
-                </a:lnTo>
-                <a:lnTo>
-                  <a:pt x="7254" y="4421"/>
-                </a:lnTo>
-                <a:lnTo>
-                  <a:pt x="7425" y="4616"/>
-                </a:lnTo>
-                <a:lnTo>
-                  <a:pt x="7523" y="4836"/>
-                </a:lnTo>
-                <a:lnTo>
-                  <a:pt x="7596" y="5080"/>
-                </a:lnTo>
-                <a:lnTo>
-                  <a:pt x="7621" y="5373"/>
-                </a:lnTo>
-                <a:lnTo>
-                  <a:pt x="7596" y="5569"/>
-                </a:lnTo>
-                <a:lnTo>
-                  <a:pt x="7572" y="5788"/>
-                </a:lnTo>
-                <a:lnTo>
-                  <a:pt x="7499" y="5984"/>
-                </a:lnTo>
-                <a:lnTo>
-                  <a:pt x="7425" y="6179"/>
-                </a:lnTo>
-                <a:lnTo>
-                  <a:pt x="7328" y="6374"/>
-                </a:lnTo>
-                <a:lnTo>
-                  <a:pt x="7206" y="6570"/>
-                </a:lnTo>
-                <a:lnTo>
-                  <a:pt x="7059" y="6741"/>
-                </a:lnTo>
-                <a:lnTo>
-                  <a:pt x="6913" y="6912"/>
-                </a:lnTo>
-                <a:lnTo>
-                  <a:pt x="6742" y="7058"/>
-                </a:lnTo>
-                <a:lnTo>
-                  <a:pt x="6571" y="7205"/>
-                </a:lnTo>
-                <a:lnTo>
-                  <a:pt x="6400" y="7303"/>
-                </a:lnTo>
-                <a:lnTo>
-                  <a:pt x="6204" y="7425"/>
-                </a:lnTo>
-                <a:lnTo>
-                  <a:pt x="6009" y="7498"/>
-                </a:lnTo>
-                <a:lnTo>
-                  <a:pt x="5789" y="7571"/>
-                </a:lnTo>
-                <a:lnTo>
-                  <a:pt x="5569" y="7596"/>
-                </a:lnTo>
-                <a:lnTo>
-                  <a:pt x="5374" y="7620"/>
-                </a:lnTo>
-                <a:lnTo>
-                  <a:pt x="5105" y="7596"/>
-                </a:lnTo>
-                <a:lnTo>
-                  <a:pt x="4861" y="7522"/>
-                </a:lnTo>
-                <a:lnTo>
-                  <a:pt x="4617" y="7425"/>
-                </a:lnTo>
-                <a:lnTo>
-                  <a:pt x="4421" y="7254"/>
-                </a:lnTo>
-                <a:lnTo>
-                  <a:pt x="4250" y="7058"/>
-                </a:lnTo>
-                <a:lnTo>
-                  <a:pt x="4128" y="6839"/>
-                </a:lnTo>
-                <a:lnTo>
-                  <a:pt x="4055" y="6619"/>
-                </a:lnTo>
-                <a:lnTo>
-                  <a:pt x="3982" y="6399"/>
-                </a:lnTo>
-                <a:lnTo>
-                  <a:pt x="3933" y="6204"/>
-                </a:lnTo>
-                <a:lnTo>
-                  <a:pt x="3860" y="6008"/>
-                </a:lnTo>
-                <a:lnTo>
-                  <a:pt x="3762" y="5813"/>
-                </a:lnTo>
-                <a:lnTo>
-                  <a:pt x="3615" y="5617"/>
-                </a:lnTo>
-                <a:lnTo>
-                  <a:pt x="3469" y="5495"/>
-                </a:lnTo>
-                <a:lnTo>
-                  <a:pt x="3322" y="5398"/>
-                </a:lnTo>
-                <a:lnTo>
-                  <a:pt x="3176" y="5324"/>
-                </a:lnTo>
-                <a:lnTo>
-                  <a:pt x="3029" y="5275"/>
-                </a:lnTo>
-                <a:lnTo>
-                  <a:pt x="2858" y="5251"/>
-                </a:lnTo>
-                <a:lnTo>
-                  <a:pt x="2712" y="5251"/>
-                </a:lnTo>
-                <a:lnTo>
-                  <a:pt x="2565" y="5275"/>
-                </a:lnTo>
-                <a:lnTo>
-                  <a:pt x="2419" y="5324"/>
-                </a:lnTo>
-                <a:lnTo>
-                  <a:pt x="2248" y="5373"/>
-                </a:lnTo>
-                <a:lnTo>
-                  <a:pt x="2101" y="5446"/>
-                </a:lnTo>
-                <a:lnTo>
-                  <a:pt x="1808" y="5642"/>
-                </a:lnTo>
-                <a:lnTo>
-                  <a:pt x="1515" y="5886"/>
-                </a:lnTo>
-                <a:lnTo>
-                  <a:pt x="1246" y="6155"/>
-                </a:lnTo>
-                <a:lnTo>
-                  <a:pt x="978" y="6448"/>
-                </a:lnTo>
-                <a:lnTo>
-                  <a:pt x="758" y="6765"/>
-                </a:lnTo>
-                <a:lnTo>
-                  <a:pt x="538" y="7058"/>
-                </a:lnTo>
-                <a:lnTo>
-                  <a:pt x="367" y="7327"/>
-                </a:lnTo>
-                <a:lnTo>
-                  <a:pt x="99" y="7791"/>
-                </a:lnTo>
-                <a:lnTo>
-                  <a:pt x="25" y="7938"/>
-                </a:lnTo>
-                <a:lnTo>
-                  <a:pt x="1" y="8035"/>
-                </a:lnTo>
-                <a:lnTo>
-                  <a:pt x="25" y="8231"/>
-                </a:lnTo>
-                <a:lnTo>
-                  <a:pt x="74" y="8402"/>
-                </a:lnTo>
-                <a:lnTo>
-                  <a:pt x="172" y="8597"/>
-                </a:lnTo>
-                <a:lnTo>
-                  <a:pt x="294" y="8744"/>
-                </a:lnTo>
-                <a:lnTo>
-                  <a:pt x="587" y="9012"/>
-                </a:lnTo>
-                <a:lnTo>
-                  <a:pt x="880" y="9256"/>
-                </a:lnTo>
-                <a:lnTo>
-                  <a:pt x="1417" y="9696"/>
-                </a:lnTo>
-                <a:lnTo>
-                  <a:pt x="1906" y="10062"/>
-                </a:lnTo>
-                <a:lnTo>
-                  <a:pt x="2101" y="10233"/>
-                </a:lnTo>
-                <a:lnTo>
-                  <a:pt x="2297" y="10404"/>
-                </a:lnTo>
-                <a:lnTo>
-                  <a:pt x="2419" y="10575"/>
-                </a:lnTo>
-                <a:lnTo>
-                  <a:pt x="2541" y="10746"/>
-                </a:lnTo>
-                <a:lnTo>
-                  <a:pt x="2590" y="10917"/>
-                </a:lnTo>
-                <a:lnTo>
-                  <a:pt x="2590" y="11113"/>
-                </a:lnTo>
-                <a:lnTo>
-                  <a:pt x="2541" y="11308"/>
-                </a:lnTo>
-                <a:lnTo>
-                  <a:pt x="2443" y="11528"/>
-                </a:lnTo>
-                <a:lnTo>
-                  <a:pt x="2272" y="11772"/>
-                </a:lnTo>
-                <a:lnTo>
-                  <a:pt x="2004" y="12041"/>
-                </a:lnTo>
-                <a:lnTo>
-                  <a:pt x="1833" y="12212"/>
-                </a:lnTo>
-                <a:lnTo>
-                  <a:pt x="1637" y="12309"/>
-                </a:lnTo>
-                <a:lnTo>
-                  <a:pt x="1417" y="12383"/>
-                </a:lnTo>
-                <a:lnTo>
-                  <a:pt x="1222" y="12431"/>
-                </a:lnTo>
-                <a:lnTo>
-                  <a:pt x="1002" y="12480"/>
-                </a:lnTo>
-                <a:lnTo>
-                  <a:pt x="782" y="12578"/>
-                </a:lnTo>
-                <a:lnTo>
-                  <a:pt x="587" y="12700"/>
-                </a:lnTo>
-                <a:lnTo>
-                  <a:pt x="367" y="12871"/>
-                </a:lnTo>
-                <a:lnTo>
-                  <a:pt x="196" y="13066"/>
-                </a:lnTo>
-                <a:lnTo>
-                  <a:pt x="99" y="13286"/>
-                </a:lnTo>
-                <a:lnTo>
-                  <a:pt x="25" y="13530"/>
-                </a:lnTo>
-                <a:lnTo>
-                  <a:pt x="1" y="13799"/>
-                </a:lnTo>
-                <a:lnTo>
-                  <a:pt x="25" y="14019"/>
-                </a:lnTo>
-                <a:lnTo>
-                  <a:pt x="50" y="14239"/>
-                </a:lnTo>
-                <a:lnTo>
-                  <a:pt x="123" y="14434"/>
-                </a:lnTo>
-                <a:lnTo>
-                  <a:pt x="221" y="14654"/>
-                </a:lnTo>
-                <a:lnTo>
-                  <a:pt x="318" y="14825"/>
-                </a:lnTo>
-                <a:lnTo>
-                  <a:pt x="440" y="15020"/>
-                </a:lnTo>
-                <a:lnTo>
-                  <a:pt x="563" y="15191"/>
-                </a:lnTo>
-                <a:lnTo>
-                  <a:pt x="709" y="15362"/>
-                </a:lnTo>
-                <a:lnTo>
-                  <a:pt x="880" y="15509"/>
-                </a:lnTo>
-                <a:lnTo>
-                  <a:pt x="1051" y="15631"/>
-                </a:lnTo>
-                <a:lnTo>
-                  <a:pt x="1246" y="15753"/>
-                </a:lnTo>
-                <a:lnTo>
-                  <a:pt x="1442" y="15875"/>
-                </a:lnTo>
-                <a:lnTo>
-                  <a:pt x="1637" y="15948"/>
-                </a:lnTo>
-                <a:lnTo>
-                  <a:pt x="1857" y="16022"/>
-                </a:lnTo>
-                <a:lnTo>
-                  <a:pt x="2052" y="16046"/>
-                </a:lnTo>
-                <a:lnTo>
-                  <a:pt x="2272" y="16070"/>
-                </a:lnTo>
-                <a:lnTo>
-                  <a:pt x="2541" y="16046"/>
-                </a:lnTo>
-                <a:lnTo>
-                  <a:pt x="2785" y="15973"/>
-                </a:lnTo>
-                <a:lnTo>
-                  <a:pt x="3005" y="15875"/>
-                </a:lnTo>
-                <a:lnTo>
-                  <a:pt x="3200" y="15704"/>
-                </a:lnTo>
-                <a:lnTo>
-                  <a:pt x="3371" y="15509"/>
-                </a:lnTo>
-                <a:lnTo>
-                  <a:pt x="3493" y="15289"/>
-                </a:lnTo>
-                <a:lnTo>
-                  <a:pt x="3567" y="15094"/>
-                </a:lnTo>
-                <a:lnTo>
-                  <a:pt x="3615" y="14874"/>
-                </a:lnTo>
-                <a:lnTo>
-                  <a:pt x="3689" y="14654"/>
-                </a:lnTo>
-                <a:lnTo>
-                  <a:pt x="3762" y="14459"/>
-                </a:lnTo>
-                <a:lnTo>
-                  <a:pt x="3860" y="14239"/>
-                </a:lnTo>
-                <a:lnTo>
-                  <a:pt x="4031" y="14068"/>
-                </a:lnTo>
-                <a:lnTo>
-                  <a:pt x="4299" y="13824"/>
-                </a:lnTo>
-                <a:lnTo>
-                  <a:pt x="4544" y="13628"/>
-                </a:lnTo>
-                <a:lnTo>
-                  <a:pt x="4763" y="13530"/>
-                </a:lnTo>
-                <a:lnTo>
-                  <a:pt x="4959" y="13482"/>
-                </a:lnTo>
-                <a:lnTo>
-                  <a:pt x="5154" y="13482"/>
-                </a:lnTo>
-                <a:lnTo>
-                  <a:pt x="5325" y="13530"/>
-                </a:lnTo>
-                <a:lnTo>
-                  <a:pt x="5496" y="13653"/>
-                </a:lnTo>
-                <a:lnTo>
-                  <a:pt x="5667" y="13775"/>
-                </a:lnTo>
-                <a:lnTo>
-                  <a:pt x="5838" y="13970"/>
-                </a:lnTo>
-                <a:lnTo>
-                  <a:pt x="6009" y="14165"/>
-                </a:lnTo>
-                <a:lnTo>
-                  <a:pt x="6375" y="14654"/>
-                </a:lnTo>
-                <a:lnTo>
-                  <a:pt x="6815" y="15191"/>
-                </a:lnTo>
-                <a:lnTo>
-                  <a:pt x="7059" y="15484"/>
-                </a:lnTo>
-                <a:lnTo>
-                  <a:pt x="7328" y="15777"/>
-                </a:lnTo>
-                <a:lnTo>
-                  <a:pt x="7474" y="15899"/>
-                </a:lnTo>
-                <a:lnTo>
-                  <a:pt x="7670" y="15997"/>
-                </a:lnTo>
-                <a:lnTo>
-                  <a:pt x="7841" y="16046"/>
-                </a:lnTo>
-                <a:lnTo>
-                  <a:pt x="8036" y="16070"/>
-                </a:lnTo>
-                <a:lnTo>
-                  <a:pt x="8134" y="16046"/>
-                </a:lnTo>
-                <a:lnTo>
-                  <a:pt x="8280" y="15973"/>
-                </a:lnTo>
-                <a:lnTo>
-                  <a:pt x="8744" y="15704"/>
-                </a:lnTo>
-                <a:lnTo>
-                  <a:pt x="9013" y="15533"/>
-                </a:lnTo>
-                <a:lnTo>
-                  <a:pt x="9306" y="15313"/>
-                </a:lnTo>
-                <a:lnTo>
-                  <a:pt x="9623" y="15094"/>
-                </a:lnTo>
-                <a:lnTo>
-                  <a:pt x="9917" y="14825"/>
-                </a:lnTo>
-                <a:lnTo>
-                  <a:pt x="10185" y="14556"/>
-                </a:lnTo>
-                <a:lnTo>
-                  <a:pt x="10429" y="14263"/>
-                </a:lnTo>
-                <a:lnTo>
-                  <a:pt x="10625" y="13970"/>
-                </a:lnTo>
-                <a:lnTo>
-                  <a:pt x="10698" y="13824"/>
-                </a:lnTo>
-                <a:lnTo>
-                  <a:pt x="10747" y="13653"/>
-                </a:lnTo>
-                <a:lnTo>
-                  <a:pt x="10796" y="13506"/>
-                </a:lnTo>
-                <a:lnTo>
-                  <a:pt x="10820" y="13359"/>
-                </a:lnTo>
-                <a:lnTo>
-                  <a:pt x="10820" y="13213"/>
-                </a:lnTo>
-                <a:lnTo>
-                  <a:pt x="10796" y="13042"/>
-                </a:lnTo>
-                <a:lnTo>
-                  <a:pt x="10747" y="12895"/>
-                </a:lnTo>
-                <a:lnTo>
-                  <a:pt x="10674" y="12749"/>
-                </a:lnTo>
-                <a:lnTo>
-                  <a:pt x="10576" y="12602"/>
-                </a:lnTo>
-                <a:lnTo>
-                  <a:pt x="10454" y="12456"/>
-                </a:lnTo>
-                <a:lnTo>
-                  <a:pt x="10258" y="12309"/>
-                </a:lnTo>
-                <a:lnTo>
-                  <a:pt x="10063" y="12212"/>
-                </a:lnTo>
-                <a:lnTo>
-                  <a:pt x="9868" y="12138"/>
-                </a:lnTo>
-                <a:lnTo>
-                  <a:pt x="9648" y="12065"/>
-                </a:lnTo>
-                <a:lnTo>
-                  <a:pt x="9428" y="12016"/>
-                </a:lnTo>
-                <a:lnTo>
-                  <a:pt x="9208" y="11919"/>
-                </a:lnTo>
-                <a:lnTo>
-                  <a:pt x="9013" y="11821"/>
-                </a:lnTo>
-                <a:lnTo>
-                  <a:pt x="8818" y="11650"/>
-                </a:lnTo>
-                <a:lnTo>
-                  <a:pt x="8647" y="11454"/>
-                </a:lnTo>
-                <a:lnTo>
-                  <a:pt x="8549" y="11235"/>
-                </a:lnTo>
-                <a:lnTo>
-                  <a:pt x="8476" y="10990"/>
-                </a:lnTo>
-                <a:lnTo>
-                  <a:pt x="8451" y="10697"/>
-                </a:lnTo>
-                <a:lnTo>
-                  <a:pt x="8476" y="10502"/>
-                </a:lnTo>
-                <a:lnTo>
-                  <a:pt x="8500" y="10282"/>
-                </a:lnTo>
-                <a:lnTo>
-                  <a:pt x="8573" y="10087"/>
-                </a:lnTo>
-                <a:lnTo>
-                  <a:pt x="8647" y="9891"/>
-                </a:lnTo>
-                <a:lnTo>
-                  <a:pt x="8744" y="9696"/>
-                </a:lnTo>
-                <a:lnTo>
-                  <a:pt x="8866" y="9501"/>
-                </a:lnTo>
-                <a:lnTo>
-                  <a:pt x="9013" y="9330"/>
-                </a:lnTo>
-                <a:lnTo>
-                  <a:pt x="9159" y="9159"/>
-                </a:lnTo>
-                <a:lnTo>
-                  <a:pt x="9330" y="9012"/>
-                </a:lnTo>
-                <a:lnTo>
-                  <a:pt x="9501" y="8890"/>
-                </a:lnTo>
-                <a:lnTo>
-                  <a:pt x="9672" y="8768"/>
-                </a:lnTo>
-                <a:lnTo>
-                  <a:pt x="9868" y="8646"/>
-                </a:lnTo>
-                <a:lnTo>
-                  <a:pt x="10063" y="8573"/>
-                </a:lnTo>
-                <a:lnTo>
-                  <a:pt x="10283" y="8499"/>
-                </a:lnTo>
-                <a:lnTo>
-                  <a:pt x="10503" y="8475"/>
-                </a:lnTo>
-                <a:lnTo>
-                  <a:pt x="10698" y="8450"/>
-                </a:lnTo>
-                <a:lnTo>
-                  <a:pt x="10967" y="8475"/>
-                </a:lnTo>
-                <a:lnTo>
-                  <a:pt x="11211" y="8548"/>
-                </a:lnTo>
-                <a:lnTo>
-                  <a:pt x="11455" y="8646"/>
-                </a:lnTo>
-                <a:lnTo>
-                  <a:pt x="11651" y="8817"/>
-                </a:lnTo>
-                <a:lnTo>
-                  <a:pt x="11822" y="9012"/>
-                </a:lnTo>
-                <a:lnTo>
-                  <a:pt x="11944" y="9232"/>
-                </a:lnTo>
-                <a:lnTo>
-                  <a:pt x="12017" y="9452"/>
-                </a:lnTo>
-                <a:lnTo>
-                  <a:pt x="12090" y="9672"/>
-                </a:lnTo>
-                <a:lnTo>
-                  <a:pt x="12139" y="9867"/>
-                </a:lnTo>
-                <a:lnTo>
-                  <a:pt x="12212" y="10062"/>
-                </a:lnTo>
-                <a:lnTo>
-                  <a:pt x="12310" y="10258"/>
-                </a:lnTo>
-                <a:lnTo>
-                  <a:pt x="12457" y="10453"/>
-                </a:lnTo>
-                <a:lnTo>
-                  <a:pt x="12603" y="10575"/>
-                </a:lnTo>
-                <a:lnTo>
-                  <a:pt x="12750" y="10673"/>
-                </a:lnTo>
-                <a:lnTo>
-                  <a:pt x="12896" y="10746"/>
-                </a:lnTo>
-                <a:lnTo>
-                  <a:pt x="13043" y="10795"/>
-                </a:lnTo>
-                <a:lnTo>
-                  <a:pt x="13214" y="10819"/>
-                </a:lnTo>
-                <a:lnTo>
-                  <a:pt x="13360" y="10819"/>
-                </a:lnTo>
-                <a:lnTo>
-                  <a:pt x="13507" y="10795"/>
-                </a:lnTo>
-                <a:lnTo>
-                  <a:pt x="13653" y="10746"/>
-                </a:lnTo>
-                <a:lnTo>
-                  <a:pt x="13824" y="10697"/>
-                </a:lnTo>
-                <a:lnTo>
-                  <a:pt x="13971" y="10624"/>
-                </a:lnTo>
-                <a:lnTo>
-                  <a:pt x="14264" y="10429"/>
-                </a:lnTo>
-                <a:lnTo>
-                  <a:pt x="14557" y="10184"/>
-                </a:lnTo>
-                <a:lnTo>
-                  <a:pt x="14826" y="9916"/>
-                </a:lnTo>
-                <a:lnTo>
-                  <a:pt x="15094" y="9623"/>
-                </a:lnTo>
-                <a:lnTo>
-                  <a:pt x="15314" y="9305"/>
-                </a:lnTo>
-                <a:lnTo>
-                  <a:pt x="15534" y="9012"/>
-                </a:lnTo>
-                <a:lnTo>
-                  <a:pt x="15705" y="8744"/>
-                </a:lnTo>
-                <a:lnTo>
-                  <a:pt x="15973" y="8279"/>
-                </a:lnTo>
-                <a:lnTo>
-                  <a:pt x="16047" y="8133"/>
-                </a:lnTo>
-                <a:lnTo>
-                  <a:pt x="16071" y="8035"/>
-                </a:lnTo>
-                <a:lnTo>
-                  <a:pt x="16047" y="7840"/>
-                </a:lnTo>
-                <a:lnTo>
-                  <a:pt x="15998" y="7669"/>
-                </a:lnTo>
-                <a:lnTo>
-                  <a:pt x="15900" y="7474"/>
-                </a:lnTo>
-                <a:lnTo>
-                  <a:pt x="15778" y="7327"/>
-                </a:lnTo>
-                <a:lnTo>
-                  <a:pt x="15485" y="7058"/>
-                </a:lnTo>
-                <a:lnTo>
-                  <a:pt x="15192" y="6814"/>
-                </a:lnTo>
-                <a:lnTo>
-                  <a:pt x="14655" y="6374"/>
-                </a:lnTo>
-                <a:lnTo>
-                  <a:pt x="14166" y="6008"/>
-                </a:lnTo>
-                <a:lnTo>
-                  <a:pt x="13971" y="5837"/>
-                </a:lnTo>
-                <a:lnTo>
-                  <a:pt x="13775" y="5666"/>
-                </a:lnTo>
-                <a:lnTo>
-                  <a:pt x="13653" y="5495"/>
-                </a:lnTo>
-                <a:lnTo>
-                  <a:pt x="13531" y="5324"/>
-                </a:lnTo>
-                <a:lnTo>
-                  <a:pt x="13482" y="5153"/>
-                </a:lnTo>
-                <a:lnTo>
-                  <a:pt x="13482" y="4958"/>
-                </a:lnTo>
-                <a:lnTo>
-                  <a:pt x="13531" y="4763"/>
-                </a:lnTo>
-                <a:lnTo>
-                  <a:pt x="13629" y="4543"/>
-                </a:lnTo>
-                <a:lnTo>
-                  <a:pt x="13800" y="4299"/>
-                </a:lnTo>
-                <a:lnTo>
-                  <a:pt x="14068" y="4030"/>
-                </a:lnTo>
-                <a:lnTo>
-                  <a:pt x="14239" y="3859"/>
-                </a:lnTo>
-                <a:lnTo>
-                  <a:pt x="14435" y="3761"/>
-                </a:lnTo>
-                <a:lnTo>
-                  <a:pt x="14655" y="3688"/>
-                </a:lnTo>
-                <a:lnTo>
-                  <a:pt x="14850" y="3639"/>
-                </a:lnTo>
-                <a:lnTo>
-                  <a:pt x="15070" y="3590"/>
-                </a:lnTo>
-                <a:lnTo>
-                  <a:pt x="15290" y="3493"/>
-                </a:lnTo>
-                <a:lnTo>
-                  <a:pt x="15485" y="3370"/>
-                </a:lnTo>
-                <a:lnTo>
-                  <a:pt x="15705" y="3199"/>
-                </a:lnTo>
-                <a:lnTo>
-                  <a:pt x="15876" y="3004"/>
-                </a:lnTo>
-                <a:lnTo>
-                  <a:pt x="15973" y="2784"/>
-                </a:lnTo>
-                <a:lnTo>
-                  <a:pt x="16047" y="2540"/>
-                </a:lnTo>
-                <a:lnTo>
-                  <a:pt x="16071" y="2271"/>
-                </a:lnTo>
-                <a:lnTo>
-                  <a:pt x="16047" y="2052"/>
-                </a:lnTo>
-                <a:lnTo>
-                  <a:pt x="16022" y="1832"/>
-                </a:lnTo>
-                <a:lnTo>
-                  <a:pt x="15949" y="1636"/>
-                </a:lnTo>
-                <a:lnTo>
-                  <a:pt x="15851" y="1417"/>
-                </a:lnTo>
-                <a:lnTo>
-                  <a:pt x="15754" y="1246"/>
-                </a:lnTo>
-                <a:lnTo>
-                  <a:pt x="15632" y="1050"/>
-                </a:lnTo>
-                <a:lnTo>
-                  <a:pt x="15509" y="879"/>
-                </a:lnTo>
-                <a:lnTo>
-                  <a:pt x="15363" y="708"/>
-                </a:lnTo>
-                <a:lnTo>
-                  <a:pt x="15192" y="562"/>
-                </a:lnTo>
-                <a:lnTo>
-                  <a:pt x="15021" y="440"/>
-                </a:lnTo>
-                <a:lnTo>
-                  <a:pt x="14826" y="318"/>
-                </a:lnTo>
-                <a:lnTo>
-                  <a:pt x="14630" y="195"/>
-                </a:lnTo>
-                <a:lnTo>
-                  <a:pt x="14435" y="122"/>
-                </a:lnTo>
-                <a:lnTo>
-                  <a:pt x="14215" y="49"/>
-                </a:lnTo>
-                <a:lnTo>
-                  <a:pt x="14020" y="24"/>
-                </a:lnTo>
-                <a:lnTo>
-                  <a:pt x="13800" y="0"/>
-                </a:lnTo>
-                <a:lnTo>
-                  <a:pt x="13531" y="24"/>
-                </a:lnTo>
-                <a:lnTo>
-                  <a:pt x="13287" y="98"/>
-                </a:lnTo>
-                <a:lnTo>
-                  <a:pt x="13067" y="195"/>
-                </a:lnTo>
-                <a:lnTo>
-                  <a:pt x="12872" y="366"/>
-                </a:lnTo>
-                <a:lnTo>
-                  <a:pt x="12701" y="562"/>
-                </a:lnTo>
-                <a:lnTo>
-                  <a:pt x="12579" y="782"/>
-                </a:lnTo>
-                <a:lnTo>
-                  <a:pt x="12505" y="977"/>
-                </a:lnTo>
-                <a:lnTo>
-                  <a:pt x="12457" y="1197"/>
-                </a:lnTo>
-                <a:lnTo>
-                  <a:pt x="12383" y="1417"/>
-                </a:lnTo>
-                <a:lnTo>
-                  <a:pt x="12310" y="1612"/>
-                </a:lnTo>
-                <a:lnTo>
-                  <a:pt x="12212" y="1832"/>
-                </a:lnTo>
-                <a:lnTo>
-                  <a:pt x="12041" y="2003"/>
-                </a:lnTo>
-                <a:lnTo>
-                  <a:pt x="11773" y="2271"/>
-                </a:lnTo>
-                <a:lnTo>
-                  <a:pt x="11528" y="2442"/>
-                </a:lnTo>
-                <a:lnTo>
-                  <a:pt x="11309" y="2540"/>
-                </a:lnTo>
-                <a:lnTo>
-                  <a:pt x="11113" y="2589"/>
-                </a:lnTo>
-                <a:lnTo>
-                  <a:pt x="10918" y="2589"/>
-                </a:lnTo>
-                <a:lnTo>
-                  <a:pt x="10747" y="2540"/>
-                </a:lnTo>
-                <a:lnTo>
-                  <a:pt x="10576" y="2418"/>
-                </a:lnTo>
-                <a:lnTo>
-                  <a:pt x="10405" y="2296"/>
-                </a:lnTo>
-                <a:lnTo>
-                  <a:pt x="10234" y="2100"/>
-                </a:lnTo>
-                <a:lnTo>
-                  <a:pt x="10063" y="1905"/>
-                </a:lnTo>
-                <a:lnTo>
-                  <a:pt x="9697" y="1417"/>
-                </a:lnTo>
-                <a:lnTo>
-                  <a:pt x="9257" y="879"/>
-                </a:lnTo>
-                <a:lnTo>
-                  <a:pt x="9013" y="586"/>
-                </a:lnTo>
-                <a:lnTo>
-                  <a:pt x="8744" y="293"/>
-                </a:lnTo>
-                <a:lnTo>
-                  <a:pt x="8598" y="171"/>
-                </a:lnTo>
-                <a:lnTo>
-                  <a:pt x="8402" y="73"/>
-                </a:lnTo>
-                <a:lnTo>
-                  <a:pt x="8231" y="24"/>
-                </a:lnTo>
-                <a:lnTo>
-                  <a:pt x="8036" y="0"/>
-                </a:lnTo>
-                <a:close/>
-              </a:path>
-            </a:pathLst>
-          </a:custGeom>
-          <a:solidFill>
-            <a:srgbClr val="FFB600"/>
-          </a:solidFill>
-          <a:ln>
-            <a:noFill/>
-          </a:ln>
-        </p:spPr>
-        <p:txBody>
-          <a:bodyPr spcFirstLastPara="1" wrap="square" lIns="91425" tIns="91425" rIns="91425" bIns="91425" anchor="ctr" anchorCtr="0">
-            <a:noAutofit/>
-          </a:bodyPr>
-          <a:lstStyle/>
-          <a:p>
-            <a:pPr marL="0" lvl="0" indent="0">
-              <a:spcBef>
-                <a:spcPts val="0"/>
-              </a:spcBef>
-              <a:spcAft>
-                <a:spcPts val="0"/>
-              </a:spcAft>
-              <a:buNone/>
-            </a:pPr>
-            <a:endParaRPr/>
-          </a:p>
-        </p:txBody>
-      </p:sp>
-    </p:spTree>
-  </p:cSld>
-  <p:clrMapOvr>
-    <a:masterClrMapping/>
-  </p:clrMapOvr>
-</p:sld>
-</file>
-
-<file path=ppt/slides/slide9.xml><?xml version="1.0" encoding="utf-8"?>
-<p:sld xmlns:a="http://schemas.openxmlformats.org/drawingml/2006/main" xmlns:r="http://schemas.openxmlformats.org/officeDocument/2006/relationships" xmlns:p="http://schemas.openxmlformats.org/presentationml/2006/main">
-  <p:cSld>
-    <p:spTree>
-      <p:nvGrpSpPr>
         <p:cNvPr id="1" name="Shape 362"/>
         <p:cNvGrpSpPr/>
         <p:nvPr/>
@@ -18074,7 +16038,7 @@
             </a:pPr>
             <a:fld id="{00000000-1234-1234-1234-123412341234}" type="slidenum">
               <a:rPr lang="en"/>
-              <a:t>9</a:t>
+              <a:t>8</a:t>
             </a:fld>
             <a:endParaRPr/>
           </a:p>
